--- a/week_4/ppt/MinhyeokYun.pptx
+++ b/week_4/ppt/MinhyeokYun.pptx
@@ -6,13 +6,13 @@
     <p:sldMasterId id="2147483648" r:id="rId2"/>
   </p:sldMasterIdLst>
   <p:sldIdLst>
-    <p:sldId id="258" r:id="rId3"/>
-    <p:sldId id="256" r:id="rId4"/>
-    <p:sldId id="257" r:id="rId5"/>
-    <p:sldId id="259" r:id="rId6"/>
+    <p:sldId id="259" r:id="rId3"/>
+    <p:sldId id="257" r:id="rId4"/>
+    <p:sldId id="258" r:id="rId5"/>
+    <p:sldId id="261" r:id="rId6"/>
     <p:sldId id="262" r:id="rId7"/>
-    <p:sldId id="260" r:id="rId8"/>
-    <p:sldId id="263" r:id="rId9"/>
+    <p:sldId id="263" r:id="rId8"/>
+    <p:sldId id="264" r:id="rId9"/>
   </p:sldIdLst>
   <p:sldSz cx="12192000" cy="6858000"/>
   <p:notesSz cx="6858000" cy="9144000"/>
@@ -122,8 +122,7 @@
 <file path=ppt/revisionInfo.xml><?xml version="1.0" encoding="utf-8"?>
 <p1510:revInfo xmlns:a="http://schemas.openxmlformats.org/drawingml/2006/main" xmlns:r="http://schemas.openxmlformats.org/officeDocument/2006/relationships" xmlns:p1510="http://schemas.microsoft.com/office/powerpoint/2015/10/main">
   <p1510:revLst>
-    <p1510:client id="{1677FC62-D976-44D7-98DA-F9BCDB147DBF}" v="681" dt="2023-02-02T07:24:15.661"/>
-    <p1510:client id="{BE893252-D6E0-4506-BADF-9EFC6EB5FDF8}" v="3086" dt="2023-01-26T06:25:26.027"/>
+    <p1510:client id="{05622F95-1A4D-4DF2-A85F-FDD9EF0389AB}" v="853" dt="2023-02-09T06:35:30.992"/>
   </p1510:revLst>
 </p1510:revInfo>
 </file>
@@ -259,7 +258,7 @@
           <a:p>
             <a:fld id="{846CE7D5-CF57-46EF-B807-FDD0502418D4}" type="datetimeFigureOut">
               <a:rPr lang="en-US" smtClean="0"/>
-              <a:t>2/1/2023</a:t>
+              <a:t>2/8/2023</a:t>
             </a:fld>
             <a:endParaRPr lang="en-US"/>
           </a:p>
@@ -429,7 +428,7 @@
           <a:p>
             <a:fld id="{846CE7D5-CF57-46EF-B807-FDD0502418D4}" type="datetimeFigureOut">
               <a:rPr lang="en-US" smtClean="0"/>
-              <a:t>2/1/2023</a:t>
+              <a:t>2/8/2023</a:t>
             </a:fld>
             <a:endParaRPr lang="en-US"/>
           </a:p>
@@ -609,7 +608,7 @@
           <a:p>
             <a:fld id="{846CE7D5-CF57-46EF-B807-FDD0502418D4}" type="datetimeFigureOut">
               <a:rPr lang="en-US" smtClean="0"/>
-              <a:t>2/1/2023</a:t>
+              <a:t>2/8/2023</a:t>
             </a:fld>
             <a:endParaRPr lang="en-US"/>
           </a:p>
@@ -906,7 +905,7 @@
             <a:fld id="{28528733-874D-48F8-93E4-3C99192ED6E1}" type="datetimeFigureOut">
               <a:rPr lang="ko-KR" altLang="en-US" smtClean="0"/>
               <a:pPr/>
-              <a:t>2023-02-01</a:t>
+              <a:t>2023-02-08</a:t>
             </a:fld>
             <a:endParaRPr lang="ko-KR" altLang="en-US"/>
           </a:p>
@@ -1246,7 +1245,7 @@
             <a:fld id="{28528733-874D-48F8-93E4-3C99192ED6E1}" type="datetimeFigureOut">
               <a:rPr lang="ko-KR" altLang="en-US" smtClean="0"/>
               <a:pPr/>
-              <a:t>2023-02-01</a:t>
+              <a:t>2023-02-08</a:t>
             </a:fld>
             <a:endParaRPr lang="ko-KR" altLang="en-US"/>
           </a:p>
@@ -1582,7 +1581,7 @@
             <a:fld id="{28528733-874D-48F8-93E4-3C99192ED6E1}" type="datetimeFigureOut">
               <a:rPr lang="ko-KR" altLang="en-US" smtClean="0"/>
               <a:pPr/>
-              <a:t>2023-02-01</a:t>
+              <a:t>2023-02-08</a:t>
             </a:fld>
             <a:endParaRPr lang="ko-KR" altLang="en-US"/>
           </a:p>
@@ -1992,7 +1991,7 @@
             <a:fld id="{28528733-874D-48F8-93E4-3C99192ED6E1}" type="datetimeFigureOut">
               <a:rPr lang="ko-KR" altLang="en-US" smtClean="0"/>
               <a:pPr/>
-              <a:t>2023-02-01</a:t>
+              <a:t>2023-02-08</a:t>
             </a:fld>
             <a:endParaRPr lang="ko-KR" altLang="en-US"/>
           </a:p>
@@ -2413,7 +2412,7 @@
             <a:fld id="{28528733-874D-48F8-93E4-3C99192ED6E1}" type="datetimeFigureOut">
               <a:rPr lang="ko-KR" altLang="en-US" smtClean="0"/>
               <a:pPr/>
-              <a:t>2023-02-01</a:t>
+              <a:t>2023-02-08</a:t>
             </a:fld>
             <a:endParaRPr lang="ko-KR" altLang="en-US"/>
           </a:p>
@@ -2532,7 +2531,7 @@
             <a:fld id="{28528733-874D-48F8-93E4-3C99192ED6E1}" type="datetimeFigureOut">
               <a:rPr lang="ko-KR" altLang="en-US" smtClean="0"/>
               <a:pPr/>
-              <a:t>2023-02-01</a:t>
+              <a:t>2023-02-08</a:t>
             </a:fld>
             <a:endParaRPr lang="ko-KR" altLang="en-US"/>
           </a:p>
@@ -2629,7 +2628,7 @@
             <a:fld id="{28528733-874D-48F8-93E4-3C99192ED6E1}" type="datetimeFigureOut">
               <a:rPr lang="ko-KR" altLang="en-US" smtClean="0"/>
               <a:pPr/>
-              <a:t>2023-02-01</a:t>
+              <a:t>2023-02-08</a:t>
             </a:fld>
             <a:endParaRPr lang="ko-KR" altLang="en-US"/>
           </a:p>
@@ -2906,7 +2905,7 @@
             <a:fld id="{28528733-874D-48F8-93E4-3C99192ED6E1}" type="datetimeFigureOut">
               <a:rPr lang="ko-KR" altLang="en-US" smtClean="0"/>
               <a:pPr/>
-              <a:t>2023-02-01</a:t>
+              <a:t>2023-02-08</a:t>
             </a:fld>
             <a:endParaRPr lang="ko-KR" altLang="en-US"/>
           </a:p>
@@ -3077,7 +3076,7 @@
           <a:p>
             <a:fld id="{846CE7D5-CF57-46EF-B807-FDD0502418D4}" type="datetimeFigureOut">
               <a:rPr lang="en-US" smtClean="0"/>
-              <a:t>2/1/2023</a:t>
+              <a:t>2/8/2023</a:t>
             </a:fld>
             <a:endParaRPr lang="en-US"/>
           </a:p>
@@ -3330,7 +3329,7 @@
             <a:fld id="{28528733-874D-48F8-93E4-3C99192ED6E1}" type="datetimeFigureOut">
               <a:rPr lang="ko-KR" altLang="en-US" smtClean="0"/>
               <a:pPr/>
-              <a:t>2023-02-01</a:t>
+              <a:t>2023-02-08</a:t>
             </a:fld>
             <a:endParaRPr lang="ko-KR" altLang="en-US"/>
           </a:p>
@@ -3500,7 +3499,7 @@
             <a:fld id="{28528733-874D-48F8-93E4-3C99192ED6E1}" type="datetimeFigureOut">
               <a:rPr lang="ko-KR" altLang="en-US" smtClean="0"/>
               <a:pPr/>
-              <a:t>2023-02-01</a:t>
+              <a:t>2023-02-08</a:t>
             </a:fld>
             <a:endParaRPr lang="ko-KR" altLang="en-US"/>
           </a:p>
@@ -3680,7 +3679,7 @@
             <a:fld id="{28528733-874D-48F8-93E4-3C99192ED6E1}" type="datetimeFigureOut">
               <a:rPr lang="ko-KR" altLang="en-US" smtClean="0"/>
               <a:pPr/>
-              <a:t>2023-02-01</a:t>
+              <a:t>2023-02-08</a:t>
             </a:fld>
             <a:endParaRPr lang="ko-KR" altLang="en-US"/>
           </a:p>
@@ -3927,7 +3926,7 @@
           <a:p>
             <a:fld id="{846CE7D5-CF57-46EF-B807-FDD0502418D4}" type="datetimeFigureOut">
               <a:rPr lang="en-US" smtClean="0"/>
-              <a:t>2/1/2023</a:t>
+              <a:t>2/8/2023</a:t>
             </a:fld>
             <a:endParaRPr lang="en-US"/>
           </a:p>
@@ -4159,7 +4158,7 @@
           <a:p>
             <a:fld id="{846CE7D5-CF57-46EF-B807-FDD0502418D4}" type="datetimeFigureOut">
               <a:rPr lang="en-US" smtClean="0"/>
-              <a:t>2/1/2023</a:t>
+              <a:t>2/8/2023</a:t>
             </a:fld>
             <a:endParaRPr lang="en-US"/>
           </a:p>
@@ -4526,7 +4525,7 @@
           <a:p>
             <a:fld id="{846CE7D5-CF57-46EF-B807-FDD0502418D4}" type="datetimeFigureOut">
               <a:rPr lang="en-US" smtClean="0"/>
-              <a:t>2/1/2023</a:t>
+              <a:t>2/8/2023</a:t>
             </a:fld>
             <a:endParaRPr lang="en-US"/>
           </a:p>
@@ -4644,7 +4643,7 @@
           <a:p>
             <a:fld id="{846CE7D5-CF57-46EF-B807-FDD0502418D4}" type="datetimeFigureOut">
               <a:rPr lang="en-US" smtClean="0"/>
-              <a:t>2/1/2023</a:t>
+              <a:t>2/8/2023</a:t>
             </a:fld>
             <a:endParaRPr lang="en-US"/>
           </a:p>
@@ -4739,7 +4738,7 @@
           <a:p>
             <a:fld id="{846CE7D5-CF57-46EF-B807-FDD0502418D4}" type="datetimeFigureOut">
               <a:rPr lang="en-US" smtClean="0"/>
-              <a:t>2/1/2023</a:t>
+              <a:t>2/8/2023</a:t>
             </a:fld>
             <a:endParaRPr lang="en-US"/>
           </a:p>
@@ -5016,7 +5015,7 @@
           <a:p>
             <a:fld id="{846CE7D5-CF57-46EF-B807-FDD0502418D4}" type="datetimeFigureOut">
               <a:rPr lang="en-US" smtClean="0"/>
-              <a:t>2/1/2023</a:t>
+              <a:t>2/8/2023</a:t>
             </a:fld>
             <a:endParaRPr lang="en-US"/>
           </a:p>
@@ -5273,7 +5272,7 @@
           <a:p>
             <a:fld id="{846CE7D5-CF57-46EF-B807-FDD0502418D4}" type="datetimeFigureOut">
               <a:rPr lang="en-US" smtClean="0"/>
-              <a:t>2/1/2023</a:t>
+              <a:t>2/8/2023</a:t>
             </a:fld>
             <a:endParaRPr lang="en-US"/>
           </a:p>
@@ -5486,7 +5485,7 @@
           <a:p>
             <a:fld id="{846CE7D5-CF57-46EF-B807-FDD0502418D4}" type="datetimeFigureOut">
               <a:rPr lang="en-US" smtClean="0"/>
-              <a:t>2/1/2023</a:t>
+              <a:t>2/8/2023</a:t>
             </a:fld>
             <a:endParaRPr lang="en-US"/>
           </a:p>
@@ -6025,7 +6024,7 @@
             <a:fld id="{28528733-874D-48F8-93E4-3C99192ED6E1}" type="datetimeFigureOut">
               <a:rPr lang="ko-KR" altLang="en-US" smtClean="0"/>
               <a:pPr/>
-              <a:t>2023-02-01</a:t>
+              <a:t>2023-02-08</a:t>
             </a:fld>
             <a:endParaRPr lang="ko-KR" altLang="en-US"/>
           </a:p>
@@ -6426,7 +6425,7 @@
               <a:rPr lang="en-US" altLang="en-US" dirty="0">
                 <a:ea typeface="맑은 고딕"/>
               </a:rPr>
-              <a:t>Algorithm Study</a:t>
+              <a:t>Algorithm Study </a:t>
             </a:r>
           </a:p>
         </p:txBody>
@@ -6447,7 +6446,12 @@
             <p:ph type="subTitle" idx="1"/>
           </p:nvPr>
         </p:nvSpPr>
-        <p:spPr/>
+        <p:spPr>
+          <a:xfrm>
+            <a:off x="3167675" y="5219655"/>
+            <a:ext cx="5856651" cy="553616"/>
+          </a:xfrm>
+        </p:spPr>
         <p:txBody>
           <a:bodyPr vert="horz" lIns="91440" tIns="45720" rIns="91440" bIns="45720" rtlCol="0" anchor="t">
             <a:normAutofit/>
@@ -6467,7 +6471,7 @@
     </p:spTree>
     <p:extLst>
       <p:ext uri="{BB962C8B-B14F-4D97-AF65-F5344CB8AC3E}">
-        <p14:creationId xmlns:p14="http://schemas.microsoft.com/office/powerpoint/2010/main" val="4155358678"/>
+        <p14:creationId xmlns:p14="http://schemas.microsoft.com/office/powerpoint/2010/main" val="1794697143"/>
       </p:ext>
     </p:extLst>
   </p:cSld>
@@ -6516,19 +6520,19 @@
           <a:lstStyle/>
           <a:p>
             <a:r>
-              <a:rPr lang="ko-Kore-KR" altLang="en-US">
+              <a:rPr lang="ko-Kore-KR" altLang="en-US" dirty="0" err="1">
                 <a:ea typeface="맑은 고딕"/>
               </a:rPr>
-              <a:t>더 맵게</a:t>
-            </a:r>
-            <a:endParaRPr kumimoji="1" lang="ko-Kore-KR" altLang="en-US" dirty="0"/>
+              <a:t>튜플</a:t>
+            </a:r>
+            <a:endParaRPr kumimoji="1" lang="ko-Kore-KR" altLang="en-US" dirty="0" err="1"/>
           </a:p>
         </p:txBody>
       </p:sp>
     </p:spTree>
     <p:extLst>
       <p:ext uri="{BB962C8B-B14F-4D97-AF65-F5344CB8AC3E}">
-        <p14:creationId xmlns:p14="http://schemas.microsoft.com/office/powerpoint/2010/main" val="3573146800"/>
+        <p14:creationId xmlns:p14="http://schemas.microsoft.com/office/powerpoint/2010/main" val="1386065247"/>
       </p:ext>
     </p:extLst>
   </p:cSld>
@@ -6577,17 +6581,12 @@
           <a:lstStyle/>
           <a:p>
             <a:r>
-              <a:rPr lang="en-US" altLang="en-US" dirty="0">
+              <a:rPr lang="ko-Kore-KR" altLang="en-US">
                 <a:ea typeface="맑은 고딕"/>
               </a:rPr>
-              <a:t>더 </a:t>
-            </a:r>
-            <a:r>
-              <a:rPr lang="en-US" altLang="en-US" dirty="0" err="1">
-                <a:ea typeface="맑은 고딕"/>
-              </a:rPr>
-              <a:t>맵게</a:t>
-            </a:r>
+              <a:t>튜플</a:t>
+            </a:r>
+            <a:endParaRPr kumimoji="1" lang="ko-Kore-KR" altLang="en-US" dirty="0"/>
           </a:p>
         </p:txBody>
       </p:sp>
@@ -6596,7 +6595,7 @@
           <p:cNvPr id="5" name="Picture 5" descr="Text&#10;&#10;Description automatically generated">
             <a:extLst>
               <a:ext uri="{FF2B5EF4-FFF2-40B4-BE49-F238E27FC236}">
-                <a16:creationId xmlns:a16="http://schemas.microsoft.com/office/drawing/2014/main" id="{6DCAF589-B59C-FE8A-457A-784DFCC09CD6}"/>
+                <a16:creationId xmlns:a16="http://schemas.microsoft.com/office/drawing/2014/main" id="{315D5981-7177-23E8-1031-3251444B3F3B}"/>
               </a:ext>
             </a:extLst>
           </p:cNvPr>
@@ -6615,8 +6614,8 @@
         </p:blipFill>
         <p:spPr>
           <a:xfrm>
-            <a:off x="594632" y="1621406"/>
-            <a:ext cx="6953250" cy="1000125"/>
+            <a:off x="425498" y="1716742"/>
+            <a:ext cx="5379472" cy="4848692"/>
           </a:xfrm>
         </p:spPr>
       </p:pic>
@@ -6661,46 +6660,22 @@
               </a:rPr>
               <a:t>설명</a:t>
             </a:r>
-            <a:endParaRPr kumimoji="1" lang="ko-Kore-KR" altLang="en-US" dirty="0" err="1"/>
-          </a:p>
-        </p:txBody>
-      </p:sp>
-      <p:pic>
-        <p:nvPicPr>
-          <p:cNvPr id="6" name="Picture 6" descr="Text&#10;&#10;Description automatically generated">
+            <a:r>
+              <a:rPr lang="ko-Kore-KR" altLang="en-US" dirty="0">
+                <a:ea typeface="맑은 고딕"/>
+              </a:rPr>
+              <a:t> </a:t>
+            </a:r>
+            <a:endParaRPr kumimoji="1" lang="ko-Kore-KR" altLang="en-US" dirty="0"/>
+          </a:p>
+        </p:txBody>
+      </p:sp>
+      <p:sp>
+        <p:nvSpPr>
+          <p:cNvPr id="3" name="Frame 2">
             <a:extLst>
               <a:ext uri="{FF2B5EF4-FFF2-40B4-BE49-F238E27FC236}">
-                <a16:creationId xmlns:a16="http://schemas.microsoft.com/office/drawing/2014/main" id="{F0E88EF4-3F2D-F879-5E63-B6DDCE5C2B76}"/>
-              </a:ext>
-            </a:extLst>
-          </p:cNvPr>
-          <p:cNvPicPr>
-            <a:picLocks noChangeAspect="1"/>
-          </p:cNvPicPr>
-          <p:nvPr/>
-        </p:nvPicPr>
-        <p:blipFill>
-          <a:blip r:embed="rId3"/>
-          <a:stretch>
-            <a:fillRect/>
-          </a:stretch>
-        </p:blipFill>
-        <p:spPr>
-          <a:xfrm>
-            <a:off x="598715" y="3522306"/>
-            <a:ext cx="6945085" cy="836644"/>
-          </a:xfrm>
-          <a:prstGeom prst="rect">
-            <a:avLst/>
-          </a:prstGeom>
-        </p:spPr>
-      </p:pic>
-      <p:sp>
-        <p:nvSpPr>
-          <p:cNvPr id="7" name="Frame 6">
-            <a:extLst>
-              <a:ext uri="{FF2B5EF4-FFF2-40B4-BE49-F238E27FC236}">
-                <a16:creationId xmlns:a16="http://schemas.microsoft.com/office/drawing/2014/main" id="{C3CBA0D0-41D4-0CEA-E6DF-2A15ECD0EC29}"/>
+                <a16:creationId xmlns:a16="http://schemas.microsoft.com/office/drawing/2014/main" id="{F5736FDD-9998-A503-CFE7-C6258DFCF926}"/>
               </a:ext>
             </a:extLst>
           </p:cNvPr>
@@ -6709,8 +6684,8 @@
         </p:nvSpPr>
         <p:spPr>
           <a:xfrm>
-            <a:off x="4615542" y="2275114"/>
-            <a:ext cx="2710542" cy="293914"/>
+            <a:off x="1461245" y="3496235"/>
+            <a:ext cx="4294095" cy="259976"/>
           </a:xfrm>
           <a:prstGeom prst="frame">
             <a:avLst/>
@@ -6753,10 +6728,10 @@
       </p:sp>
       <p:cxnSp>
         <p:nvCxnSpPr>
-          <p:cNvPr id="8" name="Straight Arrow Connector 7">
+          <p:cNvPr id="6" name="Straight Arrow Connector 5">
             <a:extLst>
               <a:ext uri="{FF2B5EF4-FFF2-40B4-BE49-F238E27FC236}">
-                <a16:creationId xmlns:a16="http://schemas.microsoft.com/office/drawing/2014/main" id="{FA151546-5514-5B0E-FFFF-868191E05EE4}"/>
+                <a16:creationId xmlns:a16="http://schemas.microsoft.com/office/drawing/2014/main" id="{19BAA67B-8073-F363-0224-D4E6848B0E0D}"/>
               </a:ext>
             </a:extLst>
           </p:cNvPr>
@@ -6764,9 +6739,9 @@
           <p:nvPr/>
         </p:nvCxnSpPr>
         <p:spPr>
-          <a:xfrm>
-            <a:off x="7260771" y="2558143"/>
-            <a:ext cx="1023258" cy="674914"/>
+          <a:xfrm flipH="1">
+            <a:off x="3657600" y="3751730"/>
+            <a:ext cx="0" cy="286871"/>
           </a:xfrm>
           <a:prstGeom prst="straightConnector1">
             <a:avLst/>
@@ -6793,270 +6768,53 @@
           </a:fontRef>
         </p:style>
       </p:cxnSp>
-      <p:sp>
-        <p:nvSpPr>
-          <p:cNvPr id="9" name="TextBox 8">
+      <p:cxnSp>
+        <p:nvCxnSpPr>
+          <p:cNvPr id="7" name="Straight Arrow Connector 6">
             <a:extLst>
               <a:ext uri="{FF2B5EF4-FFF2-40B4-BE49-F238E27FC236}">
-                <a16:creationId xmlns:a16="http://schemas.microsoft.com/office/drawing/2014/main" id="{B108C19E-5F35-3581-4B7F-EE129AB9FDCD}"/>
+                <a16:creationId xmlns:a16="http://schemas.microsoft.com/office/drawing/2014/main" id="{EE53E28B-22A9-5382-72CD-96360CA6E243}"/>
               </a:ext>
             </a:extLst>
           </p:cNvPr>
-          <p:cNvSpPr txBox="1"/>
+          <p:cNvCxnSpPr/>
           <p:nvPr/>
-        </p:nvSpPr>
+        </p:nvCxnSpPr>
         <p:spPr>
-          <a:xfrm>
-            <a:off x="8316685" y="3211285"/>
-            <a:ext cx="3635828" cy="646331"/>
+          <a:xfrm flipV="1">
+            <a:off x="680757" y="4226298"/>
+            <a:ext cx="3254188" cy="17929"/>
           </a:xfrm>
-          <a:prstGeom prst="rect">
+          <a:prstGeom prst="straightConnector1">
             <a:avLst/>
           </a:prstGeom>
-          <a:noFill/>
+          <a:ln>
+            <a:solidFill>
+              <a:srgbClr val="FF0000"/>
+            </a:solidFill>
+          </a:ln>
         </p:spPr>
-        <p:txBody>
-          <a:bodyPr rot="0" spcFirstLastPara="0" vertOverflow="overflow" horzOverflow="overflow" vert="horz" wrap="square" lIns="91440" tIns="45720" rIns="91440" bIns="45720" numCol="1" spcCol="0" rtlCol="0" fromWordArt="0" anchor="t" anchorCtr="0" forceAA="0" compatLnSpc="1">
-            <a:prstTxWarp prst="textNoShape">
-              <a:avLst/>
-            </a:prstTxWarp>
-            <a:spAutoFit/>
-          </a:bodyPr>
-          <a:lstStyle/>
-          <a:p>
-            <a:r>
-              <a:rPr lang="ko-KR" altLang="en-US" dirty="0">
-                <a:ea typeface="맑은 고딕"/>
-              </a:rPr>
-              <a:t>가장</a:t>
-            </a:r>
-            <a:r>
-              <a:rPr lang="en-US" dirty="0">
-                <a:ea typeface="맑은 고딕"/>
-              </a:rPr>
-              <a:t> </a:t>
-            </a:r>
-            <a:r>
-              <a:rPr lang="ko-KR" altLang="en-US" dirty="0">
-                <a:ea typeface="맑은 고딕"/>
-              </a:rPr>
-              <a:t>맵지</a:t>
-            </a:r>
-            <a:r>
-              <a:rPr lang="en-US" dirty="0">
-                <a:ea typeface="맑은 고딕"/>
-              </a:rPr>
-              <a:t> </a:t>
-            </a:r>
-            <a:r>
-              <a:rPr lang="ko-KR" altLang="en-US" dirty="0">
-                <a:ea typeface="맑은 고딕"/>
-              </a:rPr>
-              <a:t>않은</a:t>
-            </a:r>
-            <a:r>
-              <a:rPr lang="en-US" dirty="0">
-                <a:ea typeface="맑은 고딕"/>
-              </a:rPr>
-              <a:t> </a:t>
-            </a:r>
-            <a:r>
-              <a:rPr lang="ko-KR" altLang="en-US" dirty="0" err="1">
-                <a:ea typeface="맑은 고딕"/>
-              </a:rPr>
-              <a:t>스코빌</a:t>
-            </a:r>
-            <a:r>
-              <a:rPr lang="en-US" altLang="ko-KR" dirty="0">
-                <a:ea typeface="맑은 고딕"/>
-              </a:rPr>
-              <a:t> + (</a:t>
-            </a:r>
-            <a:r>
-              <a:rPr lang="en-US" altLang="ko-KR" dirty="0" err="1">
-                <a:ea typeface="맑은 고딕"/>
-              </a:rPr>
-              <a:t>두번째로</a:t>
-            </a:r>
-            <a:r>
-              <a:rPr lang="en-US" altLang="ko-KR" dirty="0">
-                <a:ea typeface="맑은 고딕"/>
-              </a:rPr>
-              <a:t> </a:t>
-            </a:r>
-            <a:r>
-              <a:rPr lang="en-US" altLang="ko-KR" dirty="0" err="1">
-                <a:ea typeface="맑은 고딕"/>
-              </a:rPr>
-              <a:t>안매운</a:t>
-            </a:r>
-            <a:r>
-              <a:rPr lang="en-US" altLang="ko-KR" dirty="0">
-                <a:ea typeface="맑은 고딕"/>
-              </a:rPr>
-              <a:t> </a:t>
-            </a:r>
-            <a:r>
-              <a:rPr lang="en-US" altLang="ko-KR" dirty="0" err="1">
-                <a:ea typeface="맑은 고딕"/>
-              </a:rPr>
-              <a:t>스코빌</a:t>
-            </a:r>
-            <a:r>
-              <a:rPr lang="en-US" altLang="ko-KR" dirty="0">
-                <a:ea typeface="맑은 고딕"/>
-              </a:rPr>
-              <a:t> x 2 )</a:t>
-            </a:r>
-          </a:p>
-        </p:txBody>
-      </p:sp>
-    </p:spTree>
-    <p:extLst>
-      <p:ext uri="{BB962C8B-B14F-4D97-AF65-F5344CB8AC3E}">
-        <p14:creationId xmlns:p14="http://schemas.microsoft.com/office/powerpoint/2010/main" val="3512367599"/>
-      </p:ext>
-    </p:extLst>
-  </p:cSld>
-  <p:clrMapOvr>
-    <a:masterClrMapping/>
-  </p:clrMapOvr>
-</p:sld>
-</file>
-
-<file path=ppt/slides/slide4.xml><?xml version="1.0" encoding="utf-8"?>
-<p:sld xmlns:a="http://schemas.openxmlformats.org/drawingml/2006/main" xmlns:r="http://schemas.openxmlformats.org/officeDocument/2006/relationships" xmlns:p="http://schemas.openxmlformats.org/presentationml/2006/main">
-  <p:cSld>
-    <p:spTree>
-      <p:nvGrpSpPr>
-        <p:cNvPr id="1" name=""/>
-        <p:cNvGrpSpPr/>
-        <p:nvPr/>
-      </p:nvGrpSpPr>
-      <p:grpSpPr>
-        <a:xfrm>
-          <a:off x="0" y="0"/>
-          <a:ext cx="0" cy="0"/>
-          <a:chOff x="0" y="0"/>
-          <a:chExt cx="0" cy="0"/>
-        </a:xfrm>
-      </p:grpSpPr>
-      <p:sp>
-        <p:nvSpPr>
-          <p:cNvPr id="2" name="제목 1">
+        <p:style>
+          <a:lnRef idx="1">
+            <a:schemeClr val="accent1"/>
+          </a:lnRef>
+          <a:fillRef idx="0">
+            <a:schemeClr val="accent1"/>
+          </a:fillRef>
+          <a:effectRef idx="0">
+            <a:schemeClr val="accent1"/>
+          </a:effectRef>
+          <a:fontRef idx="minor">
+            <a:schemeClr val="tx1"/>
+          </a:fontRef>
+        </p:style>
+      </p:cxnSp>
+      <p:sp>
+        <p:nvSpPr>
+          <p:cNvPr id="9" name="Frame 8">
             <a:extLst>
               <a:ext uri="{FF2B5EF4-FFF2-40B4-BE49-F238E27FC236}">
-                <a16:creationId xmlns:a16="http://schemas.microsoft.com/office/drawing/2014/main" id="{C9148387-57D9-1341-8EAC-7B55E33DD944}"/>
-              </a:ext>
-            </a:extLst>
-          </p:cNvPr>
-          <p:cNvSpPr>
-            <a:spLocks noGrp="1"/>
-          </p:cNvSpPr>
-          <p:nvPr>
-            <p:ph type="title"/>
-          </p:nvPr>
-        </p:nvSpPr>
-        <p:spPr/>
-        <p:txBody>
-          <a:bodyPr/>
-          <a:lstStyle/>
-          <a:p>
-            <a:r>
-              <a:rPr lang="en-US" altLang="en-US" dirty="0">
-                <a:ea typeface="맑은 고딕"/>
-              </a:rPr>
-              <a:t>더 </a:t>
-            </a:r>
-            <a:r>
-              <a:rPr lang="en-US" altLang="en-US" dirty="0" err="1">
-                <a:ea typeface="맑은 고딕"/>
-              </a:rPr>
-              <a:t>맵게</a:t>
-            </a:r>
-          </a:p>
-        </p:txBody>
-      </p:sp>
-      <p:sp>
-        <p:nvSpPr>
-          <p:cNvPr id="4" name="텍스트 개체 틀 3">
-            <a:extLst>
-              <a:ext uri="{FF2B5EF4-FFF2-40B4-BE49-F238E27FC236}">
-                <a16:creationId xmlns:a16="http://schemas.microsoft.com/office/drawing/2014/main" id="{A813A557-3DB4-9146-8DD6-1CDB7C599F79}"/>
-              </a:ext>
-            </a:extLst>
-          </p:cNvPr>
-          <p:cNvSpPr>
-            <a:spLocks noGrp="1"/>
-          </p:cNvSpPr>
-          <p:nvPr>
-            <p:ph type="body" sz="quarter" idx="14"/>
-          </p:nvPr>
-        </p:nvSpPr>
-        <p:spPr/>
-        <p:txBody>
-          <a:bodyPr vert="horz" lIns="91440" tIns="45720" rIns="91440" bIns="45720" rtlCol="0" anchor="t">
-            <a:normAutofit/>
-          </a:bodyPr>
-          <a:lstStyle/>
-          <a:p>
-            <a:r>
-              <a:rPr lang="ko-Kore-KR" altLang="en-US" dirty="0" err="1">
-                <a:ea typeface="맑은 고딕"/>
-              </a:rPr>
-              <a:t>문제</a:t>
-            </a:r>
-            <a:r>
-              <a:rPr lang="ko-Kore-KR" altLang="en-US" dirty="0">
-                <a:ea typeface="맑은 고딕"/>
-              </a:rPr>
-              <a:t> </a:t>
-            </a:r>
-            <a:r>
-              <a:rPr lang="ko-Kore-KR" altLang="en-US" dirty="0" err="1">
-                <a:ea typeface="맑은 고딕"/>
-              </a:rPr>
-              <a:t>설명</a:t>
-            </a:r>
-            <a:endParaRPr kumimoji="1" lang="ko-Kore-KR" altLang="en-US" dirty="0" err="1"/>
-          </a:p>
-        </p:txBody>
-      </p:sp>
-      <p:pic>
-        <p:nvPicPr>
-          <p:cNvPr id="11" name="Picture 11" descr="Table&#10;&#10;Description automatically generated">
-            <a:extLst>
-              <a:ext uri="{FF2B5EF4-FFF2-40B4-BE49-F238E27FC236}">
-                <a16:creationId xmlns:a16="http://schemas.microsoft.com/office/drawing/2014/main" id="{D434250B-CFDD-D8E7-0D40-6304892FFC35}"/>
-              </a:ext>
-            </a:extLst>
-          </p:cNvPr>
-          <p:cNvPicPr>
-            <a:picLocks noGrp="1" noChangeAspect="1"/>
-          </p:cNvPicPr>
-          <p:nvPr>
-            <p:ph idx="1"/>
-          </p:nvPr>
-        </p:nvPicPr>
-        <p:blipFill>
-          <a:blip r:embed="rId2"/>
-          <a:stretch>
-            <a:fillRect/>
-          </a:stretch>
-        </p:blipFill>
-        <p:spPr>
-          <a:xfrm>
-            <a:off x="490537" y="1859531"/>
-            <a:ext cx="2828925" cy="1133475"/>
-          </a:xfrm>
-        </p:spPr>
-      </p:pic>
-      <p:sp>
-        <p:nvSpPr>
-          <p:cNvPr id="12" name="Frame 11">
-            <a:extLst>
-              <a:ext uri="{FF2B5EF4-FFF2-40B4-BE49-F238E27FC236}">
-                <a16:creationId xmlns:a16="http://schemas.microsoft.com/office/drawing/2014/main" id="{8E557063-EB7C-9F0E-F2CD-FC75EAB086A9}"/>
+                <a16:creationId xmlns:a16="http://schemas.microsoft.com/office/drawing/2014/main" id="{101145DA-5518-96E7-E6F9-D19FC59C61C7}"/>
               </a:ext>
             </a:extLst>
           </p:cNvPr>
@@ -7065,8 +6823,8 @@
         </p:nvSpPr>
         <p:spPr>
           <a:xfrm>
-            <a:off x="555171" y="2558142"/>
-            <a:ext cx="2318657" cy="293914"/>
+            <a:off x="636493" y="4545105"/>
+            <a:ext cx="1640541" cy="259976"/>
           </a:xfrm>
           <a:prstGeom prst="frame">
             <a:avLst/>
@@ -7109,10 +6867,10 @@
       </p:sp>
       <p:cxnSp>
         <p:nvCxnSpPr>
-          <p:cNvPr id="13" name="Straight Arrow Connector 12">
+          <p:cNvPr id="10" name="Straight Arrow Connector 9">
             <a:extLst>
               <a:ext uri="{FF2B5EF4-FFF2-40B4-BE49-F238E27FC236}">
-                <a16:creationId xmlns:a16="http://schemas.microsoft.com/office/drawing/2014/main" id="{D392347C-1800-0A66-8678-34CAD2B7D786}"/>
+                <a16:creationId xmlns:a16="http://schemas.microsoft.com/office/drawing/2014/main" id="{6D8AE6C8-CF47-EF4E-6123-3A00570EF670}"/>
               </a:ext>
             </a:extLst>
           </p:cNvPr>
@@ -7123,8 +6881,138 @@
         </p:nvCxnSpPr>
         <p:spPr>
           <a:xfrm>
-            <a:off x="2841171" y="2819399"/>
-            <a:ext cx="870858" cy="783771"/>
+            <a:off x="2277036" y="4675093"/>
+            <a:ext cx="502022" cy="2"/>
+          </a:xfrm>
+          <a:prstGeom prst="straightConnector1">
+            <a:avLst/>
+          </a:prstGeom>
+          <a:ln>
+            <a:solidFill>
+              <a:srgbClr val="FF0000"/>
+            </a:solidFill>
+            <a:tailEnd type="triangle"/>
+          </a:ln>
+        </p:spPr>
+        <p:style>
+          <a:lnRef idx="1">
+            <a:schemeClr val="accent1"/>
+          </a:lnRef>
+          <a:fillRef idx="0">
+            <a:schemeClr val="accent1"/>
+          </a:fillRef>
+          <a:effectRef idx="0">
+            <a:schemeClr val="accent1"/>
+          </a:effectRef>
+          <a:fontRef idx="minor">
+            <a:schemeClr val="tx1"/>
+          </a:fontRef>
+        </p:style>
+      </p:cxnSp>
+      <p:sp>
+        <p:nvSpPr>
+          <p:cNvPr id="11" name="TextBox 10">
+            <a:extLst>
+              <a:ext uri="{FF2B5EF4-FFF2-40B4-BE49-F238E27FC236}">
+                <a16:creationId xmlns:a16="http://schemas.microsoft.com/office/drawing/2014/main" id="{14952BB4-10AB-15D5-9330-05902FDCA48C}"/>
+              </a:ext>
+            </a:extLst>
+          </p:cNvPr>
+          <p:cNvSpPr txBox="1"/>
+          <p:nvPr/>
+        </p:nvSpPr>
+        <p:spPr>
+          <a:xfrm>
+            <a:off x="2805953" y="4545105"/>
+            <a:ext cx="4509246" cy="307777"/>
+          </a:xfrm>
+          <a:prstGeom prst="rect">
+            <a:avLst/>
+          </a:prstGeom>
+          <a:noFill/>
+        </p:spPr>
+        <p:txBody>
+          <a:bodyPr rot="0" spcFirstLastPara="0" vertOverflow="overflow" horzOverflow="overflow" vert="horz" wrap="square" lIns="91440" tIns="45720" rIns="91440" bIns="45720" numCol="1" spcCol="0" rtlCol="0" fromWordArt="0" anchor="t" anchorCtr="0" forceAA="0" compatLnSpc="1">
+            <a:prstTxWarp prst="textNoShape">
+              <a:avLst/>
+            </a:prstTxWarp>
+            <a:spAutoFit/>
+          </a:bodyPr>
+          <a:lstStyle/>
+          <a:p>
+            <a:r>
+              <a:rPr lang="en-US" sz="1400" dirty="0">
+                <a:solidFill>
+                  <a:srgbClr val="FF0000"/>
+                </a:solidFill>
+                <a:ea typeface="맑은 고딕"/>
+              </a:rPr>
+              <a:t>{{a1} , {a2,a2} , {a1,a2,a3}, {a1,a2,a3,a4}}</a:t>
+            </a:r>
+          </a:p>
+        </p:txBody>
+      </p:sp>
+      <p:cxnSp>
+        <p:nvCxnSpPr>
+          <p:cNvPr id="12" name="Straight Arrow Connector 11">
+            <a:extLst>
+              <a:ext uri="{FF2B5EF4-FFF2-40B4-BE49-F238E27FC236}">
+                <a16:creationId xmlns:a16="http://schemas.microsoft.com/office/drawing/2014/main" id="{B388AF7D-6E15-3EE3-DE8D-A1E9AE90B30E}"/>
+              </a:ext>
+            </a:extLst>
+          </p:cNvPr>
+          <p:cNvCxnSpPr>
+            <a:cxnSpLocks/>
+          </p:cNvCxnSpPr>
+          <p:nvPr/>
+        </p:nvCxnSpPr>
+        <p:spPr>
+          <a:xfrm>
+            <a:off x="1702733" y="5033121"/>
+            <a:ext cx="2339788" cy="8965"/>
+          </a:xfrm>
+          <a:prstGeom prst="straightConnector1">
+            <a:avLst/>
+          </a:prstGeom>
+          <a:ln>
+            <a:solidFill>
+              <a:srgbClr val="FF0000"/>
+            </a:solidFill>
+          </a:ln>
+        </p:spPr>
+        <p:style>
+          <a:lnRef idx="1">
+            <a:schemeClr val="accent1"/>
+          </a:lnRef>
+          <a:fillRef idx="0">
+            <a:schemeClr val="accent1"/>
+          </a:fillRef>
+          <a:effectRef idx="0">
+            <a:schemeClr val="accent1"/>
+          </a:effectRef>
+          <a:fontRef idx="minor">
+            <a:schemeClr val="tx1"/>
+          </a:fontRef>
+        </p:style>
+      </p:cxnSp>
+      <p:cxnSp>
+        <p:nvCxnSpPr>
+          <p:cNvPr id="15" name="Straight Arrow Connector 14">
+            <a:extLst>
+              <a:ext uri="{FF2B5EF4-FFF2-40B4-BE49-F238E27FC236}">
+                <a16:creationId xmlns:a16="http://schemas.microsoft.com/office/drawing/2014/main" id="{511F81E0-A969-F55A-A5A7-8B3022F08D4A}"/>
+              </a:ext>
+            </a:extLst>
+          </p:cNvPr>
+          <p:cNvCxnSpPr>
+            <a:cxnSpLocks/>
+          </p:cNvCxnSpPr>
+          <p:nvPr/>
+        </p:nvCxnSpPr>
+        <p:spPr>
+          <a:xfrm flipH="1">
+            <a:off x="1497105" y="5777753"/>
+            <a:ext cx="0" cy="152400"/>
           </a:xfrm>
           <a:prstGeom prst="straightConnector1">
             <a:avLst/>
@@ -7153,10 +7041,10 @@
       </p:cxnSp>
       <p:pic>
         <p:nvPicPr>
-          <p:cNvPr id="14" name="Picture 14" descr="Text&#10;&#10;Description automatically generated">
+          <p:cNvPr id="16" name="Picture 16" descr="Text&#10;&#10;Description automatically generated">
             <a:extLst>
               <a:ext uri="{FF2B5EF4-FFF2-40B4-BE49-F238E27FC236}">
-                <a16:creationId xmlns:a16="http://schemas.microsoft.com/office/drawing/2014/main" id="{9F3002AE-CE52-B81A-4779-3EA127FF4FE4}"/>
+                <a16:creationId xmlns:a16="http://schemas.microsoft.com/office/drawing/2014/main" id="{375EB630-48F2-EB33-4C43-34BF3A599033}"/>
               </a:ext>
             </a:extLst>
           </p:cNvPr>
@@ -7173,8 +7061,8 @@
         </p:blipFill>
         <p:spPr>
           <a:xfrm>
-            <a:off x="3744686" y="3793884"/>
-            <a:ext cx="5050971" cy="2133174"/>
+            <a:off x="6723530" y="1787325"/>
+            <a:ext cx="3594847" cy="1633845"/>
           </a:xfrm>
           <a:prstGeom prst="rect">
             <a:avLst/>
@@ -7184,7 +7072,376 @@
     </p:spTree>
     <p:extLst>
       <p:ext uri="{BB962C8B-B14F-4D97-AF65-F5344CB8AC3E}">
-        <p14:creationId xmlns:p14="http://schemas.microsoft.com/office/powerpoint/2010/main" val="2851603177"/>
+        <p14:creationId xmlns:p14="http://schemas.microsoft.com/office/powerpoint/2010/main" val="221029408"/>
+      </p:ext>
+    </p:extLst>
+  </p:cSld>
+  <p:clrMapOvr>
+    <a:masterClrMapping/>
+  </p:clrMapOvr>
+</p:sld>
+</file>
+
+<file path=ppt/slides/slide4.xml><?xml version="1.0" encoding="utf-8"?>
+<p:sld xmlns:a="http://schemas.openxmlformats.org/drawingml/2006/main" xmlns:r="http://schemas.openxmlformats.org/officeDocument/2006/relationships" xmlns:p="http://schemas.openxmlformats.org/presentationml/2006/main">
+  <p:cSld>
+    <p:spTree>
+      <p:nvGrpSpPr>
+        <p:cNvPr id="1" name=""/>
+        <p:cNvGrpSpPr/>
+        <p:nvPr/>
+      </p:nvGrpSpPr>
+      <p:grpSpPr>
+        <a:xfrm>
+          <a:off x="0" y="0"/>
+          <a:ext cx="0" cy="0"/>
+          <a:chOff x="0" y="0"/>
+          <a:chExt cx="0" cy="0"/>
+        </a:xfrm>
+      </p:grpSpPr>
+      <p:sp>
+        <p:nvSpPr>
+          <p:cNvPr id="2" name="제목 1">
+            <a:extLst>
+              <a:ext uri="{FF2B5EF4-FFF2-40B4-BE49-F238E27FC236}">
+                <a16:creationId xmlns:a16="http://schemas.microsoft.com/office/drawing/2014/main" id="{C9148387-57D9-1341-8EAC-7B55E33DD944}"/>
+              </a:ext>
+            </a:extLst>
+          </p:cNvPr>
+          <p:cNvSpPr>
+            <a:spLocks noGrp="1"/>
+          </p:cNvSpPr>
+          <p:nvPr>
+            <p:ph type="title"/>
+          </p:nvPr>
+        </p:nvSpPr>
+        <p:spPr/>
+        <p:txBody>
+          <a:bodyPr/>
+          <a:lstStyle/>
+          <a:p>
+            <a:r>
+              <a:rPr lang="ko-Kore-KR" altLang="en-US">
+                <a:ea typeface="맑은 고딕"/>
+              </a:rPr>
+              <a:t>튜플</a:t>
+            </a:r>
+            <a:endParaRPr kumimoji="1" lang="ko-Kore-KR" altLang="en-US" dirty="0"/>
+          </a:p>
+        </p:txBody>
+      </p:sp>
+      <p:sp>
+        <p:nvSpPr>
+          <p:cNvPr id="4" name="텍스트 개체 틀 3">
+            <a:extLst>
+              <a:ext uri="{FF2B5EF4-FFF2-40B4-BE49-F238E27FC236}">
+                <a16:creationId xmlns:a16="http://schemas.microsoft.com/office/drawing/2014/main" id="{A813A557-3DB4-9146-8DD6-1CDB7C599F79}"/>
+              </a:ext>
+            </a:extLst>
+          </p:cNvPr>
+          <p:cNvSpPr>
+            <a:spLocks noGrp="1"/>
+          </p:cNvSpPr>
+          <p:nvPr>
+            <p:ph type="body" sz="quarter" idx="14"/>
+          </p:nvPr>
+        </p:nvSpPr>
+        <p:spPr/>
+        <p:txBody>
+          <a:bodyPr vert="horz" lIns="91440" tIns="45720" rIns="91440" bIns="45720" rtlCol="0" anchor="t">
+            <a:normAutofit/>
+          </a:bodyPr>
+          <a:lstStyle/>
+          <a:p>
+            <a:r>
+              <a:rPr lang="ko-Kore-KR" altLang="en-US" dirty="0" err="1">
+                <a:ea typeface="맑은 고딕"/>
+              </a:rPr>
+              <a:t>문제</a:t>
+            </a:r>
+            <a:r>
+              <a:rPr lang="ko-Kore-KR" altLang="en-US" dirty="0">
+                <a:ea typeface="맑은 고딕"/>
+              </a:rPr>
+              <a:t> </a:t>
+            </a:r>
+            <a:r>
+              <a:rPr lang="ko-Kore-KR" altLang="en-US" dirty="0" err="1">
+                <a:ea typeface="맑은 고딕"/>
+              </a:rPr>
+              <a:t>설명</a:t>
+            </a:r>
+            <a:r>
+              <a:rPr lang="ko-Kore-KR" altLang="en-US" dirty="0">
+                <a:ea typeface="맑은 고딕"/>
+              </a:rPr>
+              <a:t> </a:t>
+            </a:r>
+            <a:endParaRPr kumimoji="1" lang="ko-Kore-KR" altLang="en-US" dirty="0"/>
+          </a:p>
+        </p:txBody>
+      </p:sp>
+      <p:pic>
+        <p:nvPicPr>
+          <p:cNvPr id="14" name="Picture 15">
+            <a:extLst>
+              <a:ext uri="{FF2B5EF4-FFF2-40B4-BE49-F238E27FC236}">
+                <a16:creationId xmlns:a16="http://schemas.microsoft.com/office/drawing/2014/main" id="{0E680B70-3CFC-BAD0-0BD4-6F422B4AE915}"/>
+              </a:ext>
+            </a:extLst>
+          </p:cNvPr>
+          <p:cNvPicPr>
+            <a:picLocks noGrp="1" noChangeAspect="1"/>
+          </p:cNvPicPr>
+          <p:nvPr>
+            <p:ph idx="1"/>
+          </p:nvPr>
+        </p:nvPicPr>
+        <p:blipFill>
+          <a:blip r:embed="rId2"/>
+          <a:stretch>
+            <a:fillRect/>
+          </a:stretch>
+        </p:blipFill>
+        <p:spPr>
+          <a:xfrm>
+            <a:off x="496700" y="1948097"/>
+            <a:ext cx="3999939" cy="2521323"/>
+          </a:xfrm>
+        </p:spPr>
+      </p:pic>
+      <p:cxnSp>
+        <p:nvCxnSpPr>
+          <p:cNvPr id="16" name="Straight Arrow Connector 15">
+            <a:extLst>
+              <a:ext uri="{FF2B5EF4-FFF2-40B4-BE49-F238E27FC236}">
+                <a16:creationId xmlns:a16="http://schemas.microsoft.com/office/drawing/2014/main" id="{26B762A7-D08B-5B37-A78B-8FAA9D0E53A6}"/>
+              </a:ext>
+            </a:extLst>
+          </p:cNvPr>
+          <p:cNvCxnSpPr/>
+          <p:nvPr/>
+        </p:nvCxnSpPr>
+        <p:spPr>
+          <a:xfrm flipV="1">
+            <a:off x="744071" y="3016624"/>
+            <a:ext cx="2501152" cy="8964"/>
+          </a:xfrm>
+          <a:prstGeom prst="straightConnector1">
+            <a:avLst/>
+          </a:prstGeom>
+          <a:ln>
+            <a:solidFill>
+              <a:srgbClr val="FF0000"/>
+            </a:solidFill>
+          </a:ln>
+        </p:spPr>
+        <p:style>
+          <a:lnRef idx="1">
+            <a:schemeClr val="accent1"/>
+          </a:lnRef>
+          <a:fillRef idx="0">
+            <a:schemeClr val="accent1"/>
+          </a:fillRef>
+          <a:effectRef idx="0">
+            <a:schemeClr val="accent1"/>
+          </a:effectRef>
+          <a:fontRef idx="minor">
+            <a:schemeClr val="tx1"/>
+          </a:fontRef>
+        </p:style>
+      </p:cxnSp>
+      <p:cxnSp>
+        <p:nvCxnSpPr>
+          <p:cNvPr id="17" name="Straight Arrow Connector 16">
+            <a:extLst>
+              <a:ext uri="{FF2B5EF4-FFF2-40B4-BE49-F238E27FC236}">
+                <a16:creationId xmlns:a16="http://schemas.microsoft.com/office/drawing/2014/main" id="{E17425AA-7E51-E638-0FB5-4E47E4026C9A}"/>
+              </a:ext>
+            </a:extLst>
+          </p:cNvPr>
+          <p:cNvCxnSpPr>
+            <a:cxnSpLocks/>
+          </p:cNvCxnSpPr>
+          <p:nvPr/>
+        </p:nvCxnSpPr>
+        <p:spPr>
+          <a:xfrm flipV="1">
+            <a:off x="744071" y="3357283"/>
+            <a:ext cx="2501152" cy="8964"/>
+          </a:xfrm>
+          <a:prstGeom prst="straightConnector1">
+            <a:avLst/>
+          </a:prstGeom>
+          <a:ln>
+            <a:solidFill>
+              <a:srgbClr val="FF0000"/>
+            </a:solidFill>
+          </a:ln>
+        </p:spPr>
+        <p:style>
+          <a:lnRef idx="1">
+            <a:schemeClr val="accent1"/>
+          </a:lnRef>
+          <a:fillRef idx="0">
+            <a:schemeClr val="accent1"/>
+          </a:fillRef>
+          <a:effectRef idx="0">
+            <a:schemeClr val="accent1"/>
+          </a:effectRef>
+          <a:fontRef idx="minor">
+            <a:schemeClr val="tx1"/>
+          </a:fontRef>
+        </p:style>
+      </p:cxnSp>
+      <p:sp>
+        <p:nvSpPr>
+          <p:cNvPr id="18" name="Right Bracket 17">
+            <a:extLst>
+              <a:ext uri="{FF2B5EF4-FFF2-40B4-BE49-F238E27FC236}">
+                <a16:creationId xmlns:a16="http://schemas.microsoft.com/office/drawing/2014/main" id="{B5A61C42-E772-ED0E-474B-C47AC3CC5BDF}"/>
+              </a:ext>
+            </a:extLst>
+          </p:cNvPr>
+          <p:cNvSpPr/>
+          <p:nvPr/>
+        </p:nvSpPr>
+        <p:spPr>
+          <a:xfrm>
+            <a:off x="4213412" y="2877670"/>
+            <a:ext cx="286870" cy="376517"/>
+          </a:xfrm>
+          <a:prstGeom prst="rightBracket">
+            <a:avLst/>
+          </a:prstGeom>
+          <a:noFill/>
+          <a:ln>
+            <a:solidFill>
+              <a:srgbClr val="FF0000"/>
+            </a:solidFill>
+          </a:ln>
+        </p:spPr>
+        <p:style>
+          <a:lnRef idx="1">
+            <a:schemeClr val="accent1"/>
+          </a:lnRef>
+          <a:fillRef idx="0">
+            <a:schemeClr val="accent1"/>
+          </a:fillRef>
+          <a:effectRef idx="0">
+            <a:schemeClr val="accent1"/>
+          </a:effectRef>
+          <a:fontRef idx="minor">
+            <a:schemeClr val="tx1"/>
+          </a:fontRef>
+        </p:style>
+        <p:txBody>
+          <a:bodyPr rtlCol="0" anchor="ctr"/>
+          <a:lstStyle/>
+          <a:p>
+            <a:pPr algn="ctr"/>
+            <a:endParaRPr lang="en-US"/>
+          </a:p>
+        </p:txBody>
+      </p:sp>
+      <p:cxnSp>
+        <p:nvCxnSpPr>
+          <p:cNvPr id="19" name="Connector: Elbow 18">
+            <a:extLst>
+              <a:ext uri="{FF2B5EF4-FFF2-40B4-BE49-F238E27FC236}">
+                <a16:creationId xmlns:a16="http://schemas.microsoft.com/office/drawing/2014/main" id="{196D6A40-61A0-5071-6570-0F2320A9CFBC}"/>
+              </a:ext>
+            </a:extLst>
+          </p:cNvPr>
+          <p:cNvCxnSpPr/>
+          <p:nvPr/>
+        </p:nvCxnSpPr>
+        <p:spPr>
+          <a:xfrm>
+            <a:off x="4499722" y="3069851"/>
+            <a:ext cx="833717" cy="627529"/>
+          </a:xfrm>
+          <a:prstGeom prst="bentConnector3">
+            <a:avLst/>
+          </a:prstGeom>
+          <a:ln>
+            <a:solidFill>
+              <a:srgbClr val="FF0000"/>
+            </a:solidFill>
+            <a:tailEnd type="triangle"/>
+          </a:ln>
+        </p:spPr>
+        <p:style>
+          <a:lnRef idx="1">
+            <a:schemeClr val="accent1"/>
+          </a:lnRef>
+          <a:fillRef idx="0">
+            <a:schemeClr val="accent1"/>
+          </a:fillRef>
+          <a:effectRef idx="0">
+            <a:schemeClr val="accent1"/>
+          </a:effectRef>
+          <a:fontRef idx="minor">
+            <a:schemeClr val="tx1"/>
+          </a:fontRef>
+        </p:style>
+      </p:cxnSp>
+      <p:sp>
+        <p:nvSpPr>
+          <p:cNvPr id="20" name="TextBox 19">
+            <a:extLst>
+              <a:ext uri="{FF2B5EF4-FFF2-40B4-BE49-F238E27FC236}">
+                <a16:creationId xmlns:a16="http://schemas.microsoft.com/office/drawing/2014/main" id="{E5E3BEA9-84A2-CBB2-0367-1E38F90590E2}"/>
+              </a:ext>
+            </a:extLst>
+          </p:cNvPr>
+          <p:cNvSpPr txBox="1"/>
+          <p:nvPr/>
+        </p:nvSpPr>
+        <p:spPr>
+          <a:xfrm>
+            <a:off x="5450541" y="3550023"/>
+            <a:ext cx="4482352" cy="646331"/>
+          </a:xfrm>
+          <a:prstGeom prst="rect">
+            <a:avLst/>
+          </a:prstGeom>
+          <a:noFill/>
+        </p:spPr>
+        <p:txBody>
+          <a:bodyPr rot="0" spcFirstLastPara="0" vertOverflow="overflow" horzOverflow="overflow" vert="horz" wrap="square" lIns="91440" tIns="45720" rIns="91440" bIns="45720" numCol="1" spcCol="0" rtlCol="0" fromWordArt="0" anchor="t" anchorCtr="0" forceAA="0" compatLnSpc="1">
+            <a:prstTxWarp prst="textNoShape">
+              <a:avLst/>
+            </a:prstTxWarp>
+            <a:spAutoFit/>
+          </a:bodyPr>
+          <a:lstStyle/>
+          <a:p>
+            <a:r>
+              <a:rPr lang="ko-KR" altLang="en-US" dirty="0">
+                <a:ea typeface="맑은 고딕"/>
+              </a:rPr>
+              <a:t>순서는 </a:t>
+            </a:r>
+            <a:r>
+              <a:rPr lang="ko-KR" altLang="en-US" dirty="0" err="1">
+                <a:ea typeface="맑은 고딕"/>
+              </a:rPr>
+              <a:t>바꼈지만</a:t>
+            </a:r>
+            <a:r>
+              <a:rPr lang="ko-KR" altLang="en-US" dirty="0">
+                <a:ea typeface="맑은 고딕"/>
+              </a:rPr>
+              <a:t> 결국 요소들이 의미하는 바는 같기 때문에 같은 출력이 나온다.</a:t>
+            </a:r>
+          </a:p>
+        </p:txBody>
+      </p:sp>
+    </p:spTree>
+    <p:extLst>
+      <p:ext uri="{BB962C8B-B14F-4D97-AF65-F5344CB8AC3E}">
+        <p14:creationId xmlns:p14="http://schemas.microsoft.com/office/powerpoint/2010/main" val="4264507711"/>
       </p:ext>
     </p:extLst>
   </p:cSld>
@@ -7233,10 +7490,28 @@
           <a:lstStyle/>
           <a:p>
             <a:r>
+              <a:rPr lang="en-US" altLang="en-US" dirty="0">
+                <a:ea typeface="맑은 고딕"/>
+              </a:rPr>
+              <a:t>롤 </a:t>
+            </a:r>
+            <a:r>
               <a:rPr lang="en-US" altLang="en-US" dirty="0" err="1">
                 <a:ea typeface="맑은 고딕"/>
               </a:rPr>
-              <a:t>조이스틱</a:t>
+              <a:t>케이크</a:t>
+            </a:r>
+            <a:r>
+              <a:rPr lang="en-US" altLang="en-US" dirty="0">
+                <a:ea typeface="맑은 고딕"/>
+              </a:rPr>
+              <a:t> </a:t>
+            </a:r>
+            <a:r>
+              <a:rPr lang="en-US" altLang="en-US" dirty="0" err="1">
+                <a:ea typeface="맑은 고딕"/>
+              </a:rPr>
+              <a:t>자르기</a:t>
             </a:r>
           </a:p>
         </p:txBody>
@@ -7244,7 +7519,7 @@
     </p:spTree>
     <p:extLst>
       <p:ext uri="{BB962C8B-B14F-4D97-AF65-F5344CB8AC3E}">
-        <p14:creationId xmlns:p14="http://schemas.microsoft.com/office/powerpoint/2010/main" val="1791515287"/>
+        <p14:creationId xmlns:p14="http://schemas.microsoft.com/office/powerpoint/2010/main" val="2502519815"/>
       </p:ext>
     </p:extLst>
   </p:cSld>
@@ -7293,11 +7568,12 @@
           <a:lstStyle/>
           <a:p>
             <a:r>
-              <a:rPr lang="en-US" altLang="en-US" dirty="0" err="1">
+              <a:rPr lang="ko-Kore-KR" altLang="en-US">
                 <a:ea typeface="맑은 고딕"/>
               </a:rPr>
-              <a:t>조이스틱</a:t>
-            </a:r>
+              <a:t>튜플</a:t>
+            </a:r>
+            <a:endParaRPr kumimoji="1" lang="ko-Kore-KR" altLang="en-US" dirty="0"/>
           </a:p>
         </p:txBody>
       </p:sp>
@@ -7342,16 +7618,22 @@
               </a:rPr>
               <a:t>설명</a:t>
             </a:r>
-            <a:endParaRPr kumimoji="1" lang="ko-Kore-KR" altLang="en-US" dirty="0" err="1"/>
+            <a:r>
+              <a:rPr lang="ko-Kore-KR" altLang="en-US" dirty="0">
+                <a:ea typeface="맑은 고딕"/>
+              </a:rPr>
+              <a:t> </a:t>
+            </a:r>
+            <a:endParaRPr kumimoji="1" lang="ko-Kore-KR" altLang="en-US" dirty="0"/>
           </a:p>
         </p:txBody>
       </p:sp>
       <p:pic>
         <p:nvPicPr>
-          <p:cNvPr id="11" name="Picture 11" descr="A picture containing text&#10;&#10;Description automatically generated">
+          <p:cNvPr id="6" name="Picture 6" descr="Text&#10;&#10;Description automatically generated">
             <a:extLst>
               <a:ext uri="{FF2B5EF4-FFF2-40B4-BE49-F238E27FC236}">
-                <a16:creationId xmlns:a16="http://schemas.microsoft.com/office/drawing/2014/main" id="{086CAAE9-F199-85A7-4419-9AA04BBBED53}"/>
+                <a16:creationId xmlns:a16="http://schemas.microsoft.com/office/drawing/2014/main" id="{12DB1EDB-C05E-B282-3BBD-61799CA0090A}"/>
               </a:ext>
             </a:extLst>
           </p:cNvPr>
@@ -7370,17 +7652,143 @@
         </p:blipFill>
         <p:spPr>
           <a:xfrm>
-            <a:off x="370795" y="1709851"/>
-            <a:ext cx="7988753" cy="4850946"/>
+            <a:off x="292743" y="1761567"/>
+            <a:ext cx="7939947" cy="4696291"/>
           </a:xfrm>
         </p:spPr>
       </p:pic>
-      <p:sp>
-        <p:nvSpPr>
-          <p:cNvPr id="14" name="TextBox 13">
+      <p:cxnSp>
+        <p:nvCxnSpPr>
+          <p:cNvPr id="7" name="Straight Arrow Connector 6">
             <a:extLst>
               <a:ext uri="{FF2B5EF4-FFF2-40B4-BE49-F238E27FC236}">
-                <a16:creationId xmlns:a16="http://schemas.microsoft.com/office/drawing/2014/main" id="{95876952-B709-3C05-F00A-A8615A65A8A1}"/>
+                <a16:creationId xmlns:a16="http://schemas.microsoft.com/office/drawing/2014/main" id="{6ECB1342-67E3-1500-3F57-086D92E62E78}"/>
+              </a:ext>
+            </a:extLst>
+          </p:cNvPr>
+          <p:cNvCxnSpPr/>
+          <p:nvPr/>
+        </p:nvCxnSpPr>
+        <p:spPr>
+          <a:xfrm flipV="1">
+            <a:off x="3469341" y="3097306"/>
+            <a:ext cx="4670610" cy="8965"/>
+          </a:xfrm>
+          <a:prstGeom prst="straightConnector1">
+            <a:avLst/>
+          </a:prstGeom>
+          <a:ln>
+            <a:solidFill>
+              <a:srgbClr val="FF0000"/>
+            </a:solidFill>
+          </a:ln>
+        </p:spPr>
+        <p:style>
+          <a:lnRef idx="1">
+            <a:schemeClr val="accent1"/>
+          </a:lnRef>
+          <a:fillRef idx="0">
+            <a:schemeClr val="accent1"/>
+          </a:fillRef>
+          <a:effectRef idx="0">
+            <a:schemeClr val="accent1"/>
+          </a:effectRef>
+          <a:fontRef idx="minor">
+            <a:schemeClr val="tx1"/>
+          </a:fontRef>
+        </p:style>
+      </p:cxnSp>
+      <p:cxnSp>
+        <p:nvCxnSpPr>
+          <p:cNvPr id="8" name="Straight Arrow Connector 7">
+            <a:extLst>
+              <a:ext uri="{FF2B5EF4-FFF2-40B4-BE49-F238E27FC236}">
+                <a16:creationId xmlns:a16="http://schemas.microsoft.com/office/drawing/2014/main" id="{9258EA45-51B3-CC12-760B-F3BC0C698354}"/>
+              </a:ext>
+            </a:extLst>
+          </p:cNvPr>
+          <p:cNvCxnSpPr>
+            <a:cxnSpLocks/>
+          </p:cNvCxnSpPr>
+          <p:nvPr/>
+        </p:nvCxnSpPr>
+        <p:spPr>
+          <a:xfrm flipV="1">
+            <a:off x="376517" y="3339353"/>
+            <a:ext cx="4320987" cy="17929"/>
+          </a:xfrm>
+          <a:prstGeom prst="straightConnector1">
+            <a:avLst/>
+          </a:prstGeom>
+          <a:ln>
+            <a:solidFill>
+              <a:srgbClr val="FF0000"/>
+            </a:solidFill>
+          </a:ln>
+        </p:spPr>
+        <p:style>
+          <a:lnRef idx="1">
+            <a:schemeClr val="accent1"/>
+          </a:lnRef>
+          <a:fillRef idx="0">
+            <a:schemeClr val="accent1"/>
+          </a:fillRef>
+          <a:effectRef idx="0">
+            <a:schemeClr val="accent1"/>
+          </a:effectRef>
+          <a:fontRef idx="minor">
+            <a:schemeClr val="tx1"/>
+          </a:fontRef>
+        </p:style>
+      </p:cxnSp>
+      <p:cxnSp>
+        <p:nvCxnSpPr>
+          <p:cNvPr id="10" name="Connector: Elbow 9">
+            <a:extLst>
+              <a:ext uri="{FF2B5EF4-FFF2-40B4-BE49-F238E27FC236}">
+                <a16:creationId xmlns:a16="http://schemas.microsoft.com/office/drawing/2014/main" id="{AFAEA013-E5B3-5BB8-81F0-C496F61FA53C}"/>
+              </a:ext>
+            </a:extLst>
+          </p:cNvPr>
+          <p:cNvCxnSpPr/>
+          <p:nvPr/>
+        </p:nvCxnSpPr>
+        <p:spPr>
+          <a:xfrm>
+            <a:off x="8228480" y="3051362"/>
+            <a:ext cx="726142" cy="645459"/>
+          </a:xfrm>
+          <a:prstGeom prst="bentConnector3">
+            <a:avLst/>
+          </a:prstGeom>
+          <a:ln>
+            <a:solidFill>
+              <a:srgbClr val="FF0000"/>
+            </a:solidFill>
+            <a:tailEnd type="triangle"/>
+          </a:ln>
+        </p:spPr>
+        <p:style>
+          <a:lnRef idx="1">
+            <a:schemeClr val="accent1"/>
+          </a:lnRef>
+          <a:fillRef idx="0">
+            <a:schemeClr val="accent1"/>
+          </a:fillRef>
+          <a:effectRef idx="0">
+            <a:schemeClr val="accent1"/>
+          </a:effectRef>
+          <a:fontRef idx="minor">
+            <a:schemeClr val="tx1"/>
+          </a:fontRef>
+        </p:style>
+      </p:cxnSp>
+      <p:sp>
+        <p:nvSpPr>
+          <p:cNvPr id="11" name="TextBox 10">
+            <a:extLst>
+              <a:ext uri="{FF2B5EF4-FFF2-40B4-BE49-F238E27FC236}">
+                <a16:creationId xmlns:a16="http://schemas.microsoft.com/office/drawing/2014/main" id="{28CEC773-8854-0BB1-52A8-7049179A4E05}"/>
               </a:ext>
             </a:extLst>
           </p:cNvPr>
@@ -7389,8 +7797,8 @@
         </p:nvSpPr>
         <p:spPr>
           <a:xfrm>
-            <a:off x="8817428" y="4136571"/>
-            <a:ext cx="3635828" cy="646331"/>
+            <a:off x="8955741" y="3155575"/>
+            <a:ext cx="3182470" cy="1446550"/>
           </a:xfrm>
           <a:prstGeom prst="rect">
             <a:avLst/>
@@ -7407,96 +7815,265 @@
           <a:lstStyle/>
           <a:p>
             <a:r>
-              <a:rPr lang="ko-KR" altLang="en-US" dirty="0">
+              <a:rPr lang="ko-KR" altLang="en-US" sz="1400" dirty="0">
                 <a:ea typeface="맑은 고딕"/>
               </a:rPr>
-              <a:t>가장</a:t>
-            </a:r>
-            <a:r>
-              <a:rPr lang="en-US" dirty="0">
+              <a:t>다른 건 다 필요 없지만 </a:t>
+            </a:r>
+            <a:endParaRPr lang="en-US" altLang="ko-KR" sz="1400">
+              <a:ea typeface="맑은 고딕"/>
+            </a:endParaRPr>
+          </a:p>
+          <a:p>
+            <a:r>
+              <a:rPr lang="ko-KR" altLang="en-US" sz="1400" dirty="0" err="1">
                 <a:ea typeface="맑은 고딕"/>
               </a:rPr>
-              <a:t> </a:t>
-            </a:r>
-            <a:r>
-              <a:rPr lang="ko-KR" altLang="en-US" dirty="0">
+              <a:t>토핑의</a:t>
+            </a:r>
+            <a:r>
+              <a:rPr lang="ko-KR" altLang="en-US" sz="1400" dirty="0">
                 <a:ea typeface="맑은 고딕"/>
               </a:rPr>
-              <a:t>맵지</a:t>
-            </a:r>
-            <a:r>
-              <a:rPr lang="en-US" dirty="0">
+              <a:t> 종류의 수만 고려한다</a:t>
+            </a:r>
+          </a:p>
+          <a:p>
+            <a:endParaRPr lang="ko-KR" altLang="en-US" sz="1400" dirty="0">
+              <a:ea typeface="맑은 고딕"/>
+            </a:endParaRPr>
+          </a:p>
+          <a:p>
+            <a:r>
+              <a:rPr lang="ko-KR" altLang="en-US" sz="1400" dirty="0">
                 <a:ea typeface="맑은 고딕"/>
               </a:rPr>
-              <a:t> </a:t>
-            </a:r>
-            <a:r>
-              <a:rPr lang="ko-KR" altLang="en-US" dirty="0">
+              <a:t>잘려진 조각이 8 : 2 여도 </a:t>
+            </a:r>
+            <a:r>
+              <a:rPr lang="ko-KR" altLang="en-US" sz="1400" dirty="0" err="1">
                 <a:ea typeface="맑은 고딕"/>
               </a:rPr>
-              <a:t>않은</a:t>
-            </a:r>
-            <a:r>
-              <a:rPr lang="en-US" dirty="0">
+              <a:t>토핑의</a:t>
+            </a:r>
+            <a:r>
+              <a:rPr lang="ko-KR" altLang="en-US" sz="1400" dirty="0">
                 <a:ea typeface="맑은 고딕"/>
               </a:rPr>
-              <a:t> </a:t>
-            </a:r>
-            <a:r>
-              <a:rPr lang="ko-KR" altLang="en-US" dirty="0" err="1">
-                <a:ea typeface="맑은 고딕"/>
-              </a:rPr>
-              <a:t>스코빌</a:t>
-            </a:r>
-            <a:r>
-              <a:rPr lang="en-US" altLang="ko-KR" dirty="0">
-                <a:ea typeface="맑은 고딕"/>
-              </a:rPr>
-              <a:t> + (</a:t>
-            </a:r>
-            <a:r>
-              <a:rPr lang="en-US" altLang="ko-KR" dirty="0" err="1">
-                <a:ea typeface="맑은 고딕"/>
-              </a:rPr>
-              <a:t>두번째로</a:t>
-            </a:r>
-            <a:r>
-              <a:rPr lang="en-US" altLang="ko-KR" dirty="0">
-                <a:ea typeface="맑은 고딕"/>
-              </a:rPr>
-              <a:t> </a:t>
-            </a:r>
-            <a:r>
-              <a:rPr lang="en-US" altLang="ko-KR" dirty="0" err="1">
-                <a:ea typeface="맑은 고딕"/>
-              </a:rPr>
-              <a:t>안매운</a:t>
-            </a:r>
-            <a:r>
-              <a:rPr lang="en-US" altLang="ko-KR" dirty="0">
-                <a:ea typeface="맑은 고딕"/>
-              </a:rPr>
-              <a:t> </a:t>
-            </a:r>
-            <a:r>
-              <a:rPr lang="en-US" altLang="ko-KR" dirty="0" err="1">
-                <a:ea typeface="맑은 고딕"/>
-              </a:rPr>
-              <a:t>스코빌</a:t>
-            </a:r>
-            <a:r>
-              <a:rPr lang="en-US" altLang="ko-KR" dirty="0">
-                <a:ea typeface="맑은 고딕"/>
-              </a:rPr>
-              <a:t> x 2 )</a:t>
-            </a:r>
-          </a:p>
-        </p:txBody>
-      </p:sp>
+              <a:t> 종류의 수가 2 : 2 라면 성립</a:t>
+            </a:r>
+          </a:p>
+          <a:p>
+            <a:endParaRPr lang="ko-KR" altLang="en-US" dirty="0">
+              <a:ea typeface="맑은 고딕"/>
+            </a:endParaRPr>
+          </a:p>
+        </p:txBody>
+      </p:sp>
+      <p:pic>
+        <p:nvPicPr>
+          <p:cNvPr id="12" name="Picture 12" descr="Text&#10;&#10;Description automatically generated">
+            <a:extLst>
+              <a:ext uri="{FF2B5EF4-FFF2-40B4-BE49-F238E27FC236}">
+                <a16:creationId xmlns:a16="http://schemas.microsoft.com/office/drawing/2014/main" id="{243872CE-8F2B-8D6C-60BF-2B891AF7FFBC}"/>
+              </a:ext>
+            </a:extLst>
+          </p:cNvPr>
+          <p:cNvPicPr>
+            <a:picLocks noChangeAspect="1"/>
+          </p:cNvPicPr>
+          <p:nvPr/>
+        </p:nvPicPr>
+        <p:blipFill>
+          <a:blip r:embed="rId3"/>
+          <a:stretch>
+            <a:fillRect/>
+          </a:stretch>
+        </p:blipFill>
+        <p:spPr>
+          <a:xfrm>
+            <a:off x="8588188" y="5404373"/>
+            <a:ext cx="2743200" cy="1051560"/>
+          </a:xfrm>
+          <a:prstGeom prst="rect">
+            <a:avLst/>
+          </a:prstGeom>
+        </p:spPr>
+      </p:pic>
+      <p:cxnSp>
+        <p:nvCxnSpPr>
+          <p:cNvPr id="13" name="Straight Arrow Connector 12">
+            <a:extLst>
+              <a:ext uri="{FF2B5EF4-FFF2-40B4-BE49-F238E27FC236}">
+                <a16:creationId xmlns:a16="http://schemas.microsoft.com/office/drawing/2014/main" id="{7C7DC524-4F95-BBD8-444A-069F1F121638}"/>
+              </a:ext>
+            </a:extLst>
+          </p:cNvPr>
+          <p:cNvCxnSpPr/>
+          <p:nvPr/>
+        </p:nvCxnSpPr>
+        <p:spPr>
+          <a:xfrm flipV="1">
+            <a:off x="1017589" y="4267523"/>
+            <a:ext cx="3012139" cy="8963"/>
+          </a:xfrm>
+          <a:prstGeom prst="straightConnector1">
+            <a:avLst/>
+          </a:prstGeom>
+          <a:ln>
+            <a:solidFill>
+              <a:srgbClr val="FF0000"/>
+            </a:solidFill>
+          </a:ln>
+        </p:spPr>
+        <p:style>
+          <a:lnRef idx="1">
+            <a:schemeClr val="accent1"/>
+          </a:lnRef>
+          <a:fillRef idx="0">
+            <a:schemeClr val="accent1"/>
+          </a:fillRef>
+          <a:effectRef idx="0">
+            <a:schemeClr val="accent1"/>
+          </a:effectRef>
+          <a:fontRef idx="minor">
+            <a:schemeClr val="tx1"/>
+          </a:fontRef>
+        </p:style>
+      </p:cxnSp>
+      <p:cxnSp>
+        <p:nvCxnSpPr>
+          <p:cNvPr id="15" name="Straight Arrow Connector 14">
+            <a:extLst>
+              <a:ext uri="{FF2B5EF4-FFF2-40B4-BE49-F238E27FC236}">
+                <a16:creationId xmlns:a16="http://schemas.microsoft.com/office/drawing/2014/main" id="{1C8C5055-5F65-99B7-3F3A-7D40E8AC435C}"/>
+              </a:ext>
+            </a:extLst>
+          </p:cNvPr>
+          <p:cNvCxnSpPr>
+            <a:cxnSpLocks/>
+          </p:cNvCxnSpPr>
+          <p:nvPr/>
+        </p:nvCxnSpPr>
+        <p:spPr>
+          <a:xfrm flipV="1">
+            <a:off x="2407118" y="4545430"/>
+            <a:ext cx="4724398" cy="8962"/>
+          </a:xfrm>
+          <a:prstGeom prst="straightConnector1">
+            <a:avLst/>
+          </a:prstGeom>
+          <a:ln>
+            <a:solidFill>
+              <a:srgbClr val="FF0000"/>
+            </a:solidFill>
+          </a:ln>
+        </p:spPr>
+        <p:style>
+          <a:lnRef idx="1">
+            <a:schemeClr val="accent1"/>
+          </a:lnRef>
+          <a:fillRef idx="0">
+            <a:schemeClr val="accent1"/>
+          </a:fillRef>
+          <a:effectRef idx="0">
+            <a:schemeClr val="accent1"/>
+          </a:effectRef>
+          <a:fontRef idx="minor">
+            <a:schemeClr val="tx1"/>
+          </a:fontRef>
+        </p:style>
+      </p:cxnSp>
+      <p:cxnSp>
+        <p:nvCxnSpPr>
+          <p:cNvPr id="21" name="Straight Arrow Connector 20">
+            <a:extLst>
+              <a:ext uri="{FF2B5EF4-FFF2-40B4-BE49-F238E27FC236}">
+                <a16:creationId xmlns:a16="http://schemas.microsoft.com/office/drawing/2014/main" id="{DBCE5428-AFA7-84AF-F694-B19E196237CD}"/>
+              </a:ext>
+            </a:extLst>
+          </p:cNvPr>
+          <p:cNvCxnSpPr>
+            <a:cxnSpLocks/>
+          </p:cNvCxnSpPr>
+          <p:nvPr/>
+        </p:nvCxnSpPr>
+        <p:spPr>
+          <a:xfrm flipV="1">
+            <a:off x="6432269" y="4841264"/>
+            <a:ext cx="1748116" cy="8964"/>
+          </a:xfrm>
+          <a:prstGeom prst="straightConnector1">
+            <a:avLst/>
+          </a:prstGeom>
+          <a:ln>
+            <a:solidFill>
+              <a:srgbClr val="FF0000"/>
+            </a:solidFill>
+          </a:ln>
+        </p:spPr>
+        <p:style>
+          <a:lnRef idx="1">
+            <a:schemeClr val="accent1"/>
+          </a:lnRef>
+          <a:fillRef idx="0">
+            <a:schemeClr val="accent1"/>
+          </a:fillRef>
+          <a:effectRef idx="0">
+            <a:schemeClr val="accent1"/>
+          </a:effectRef>
+          <a:fontRef idx="minor">
+            <a:schemeClr val="tx1"/>
+          </a:fontRef>
+        </p:style>
+      </p:cxnSp>
+      <p:cxnSp>
+        <p:nvCxnSpPr>
+          <p:cNvPr id="22" name="Straight Arrow Connector 21">
+            <a:extLst>
+              <a:ext uri="{FF2B5EF4-FFF2-40B4-BE49-F238E27FC236}">
+                <a16:creationId xmlns:a16="http://schemas.microsoft.com/office/drawing/2014/main" id="{A8E3C943-DE23-831F-4570-CE37FF8E8AB0}"/>
+              </a:ext>
+            </a:extLst>
+          </p:cNvPr>
+          <p:cNvCxnSpPr>
+            <a:cxnSpLocks/>
+          </p:cNvCxnSpPr>
+          <p:nvPr/>
+        </p:nvCxnSpPr>
+        <p:spPr>
+          <a:xfrm flipV="1">
+            <a:off x="1851304" y="5101240"/>
+            <a:ext cx="5853951" cy="8964"/>
+          </a:xfrm>
+          <a:prstGeom prst="straightConnector1">
+            <a:avLst/>
+          </a:prstGeom>
+          <a:ln>
+            <a:solidFill>
+              <a:srgbClr val="FF0000"/>
+            </a:solidFill>
+          </a:ln>
+        </p:spPr>
+        <p:style>
+          <a:lnRef idx="1">
+            <a:schemeClr val="accent1"/>
+          </a:lnRef>
+          <a:fillRef idx="0">
+            <a:schemeClr val="accent1"/>
+          </a:fillRef>
+          <a:effectRef idx="0">
+            <a:schemeClr val="accent1"/>
+          </a:effectRef>
+          <a:fontRef idx="minor">
+            <a:schemeClr val="tx1"/>
+          </a:fontRef>
+        </p:style>
+      </p:cxnSp>
     </p:spTree>
     <p:extLst>
       <p:ext uri="{BB962C8B-B14F-4D97-AF65-F5344CB8AC3E}">
-        <p14:creationId xmlns:p14="http://schemas.microsoft.com/office/powerpoint/2010/main" val="376448121"/>
+        <p14:creationId xmlns:p14="http://schemas.microsoft.com/office/powerpoint/2010/main" val="3343253979"/>
       </p:ext>
     </p:extLst>
   </p:cSld>
@@ -7545,11 +8122,12 @@
           <a:lstStyle/>
           <a:p>
             <a:r>
-              <a:rPr lang="en-US" altLang="en-US" dirty="0" err="1">
+              <a:rPr lang="ko-Kore-KR" altLang="en-US">
                 <a:ea typeface="맑은 고딕"/>
               </a:rPr>
-              <a:t>조이스틱</a:t>
-            </a:r>
+              <a:t>튜플</a:t>
+            </a:r>
+            <a:endParaRPr kumimoji="1" lang="ko-Kore-KR" altLang="en-US" dirty="0"/>
           </a:p>
         </p:txBody>
       </p:sp>
@@ -7594,16 +8172,22 @@
               </a:rPr>
               <a:t>설명</a:t>
             </a:r>
-            <a:endParaRPr kumimoji="1" lang="ko-Kore-KR" altLang="en-US" dirty="0" err="1"/>
+            <a:r>
+              <a:rPr lang="ko-Kore-KR" altLang="en-US" dirty="0">
+                <a:ea typeface="맑은 고딕"/>
+              </a:rPr>
+              <a:t> </a:t>
+            </a:r>
+            <a:endParaRPr kumimoji="1" lang="ko-Kore-KR" altLang="en-US" dirty="0"/>
           </a:p>
         </p:txBody>
       </p:sp>
       <p:pic>
         <p:nvPicPr>
-          <p:cNvPr id="11" name="Picture 11">
+          <p:cNvPr id="6" name="Picture 6" descr="Graphical user interface&#10;&#10;Description automatically generated">
             <a:extLst>
               <a:ext uri="{FF2B5EF4-FFF2-40B4-BE49-F238E27FC236}">
-                <a16:creationId xmlns:a16="http://schemas.microsoft.com/office/drawing/2014/main" id="{C57094D0-0D6E-E4AB-80B3-FE0269452CEB}"/>
+                <a16:creationId xmlns:a16="http://schemas.microsoft.com/office/drawing/2014/main" id="{D20C606F-945A-52B0-72A8-793A3A7378FF}"/>
               </a:ext>
             </a:extLst>
           </p:cNvPr>
@@ -7622,141 +8206,27 @@
         </p:blipFill>
         <p:spPr>
           <a:xfrm>
-            <a:off x="650421" y="1906475"/>
-            <a:ext cx="1997528" cy="1747157"/>
+            <a:off x="430586" y="1927366"/>
+            <a:ext cx="3406027" cy="2266950"/>
           </a:xfrm>
         </p:spPr>
       </p:pic>
-      <p:sp>
-        <p:nvSpPr>
-          <p:cNvPr id="12" name="Frame 11">
+      <p:cxnSp>
+        <p:nvCxnSpPr>
+          <p:cNvPr id="8" name="Straight Arrow Connector 7">
             <a:extLst>
               <a:ext uri="{FF2B5EF4-FFF2-40B4-BE49-F238E27FC236}">
-                <a16:creationId xmlns:a16="http://schemas.microsoft.com/office/drawing/2014/main" id="{391E1300-D2BF-997F-56EC-3CD4E81C8C9F}"/>
+                <a16:creationId xmlns:a16="http://schemas.microsoft.com/office/drawing/2014/main" id="{A5966F94-3120-DE9A-D86C-576A6F6F27AC}"/>
               </a:ext>
             </a:extLst>
           </p:cNvPr>
-          <p:cNvSpPr/>
-          <p:nvPr/>
-        </p:nvSpPr>
-        <p:spPr>
-          <a:xfrm>
-            <a:off x="827313" y="2743200"/>
-            <a:ext cx="1382485" cy="380999"/>
-          </a:xfrm>
-          <a:prstGeom prst="frame">
-            <a:avLst/>
-          </a:prstGeom>
-          <a:solidFill>
-            <a:srgbClr val="FF0000"/>
-          </a:solidFill>
-          <a:ln>
-            <a:noFill/>
-          </a:ln>
-        </p:spPr>
-        <p:style>
-          <a:lnRef idx="2">
-            <a:schemeClr val="accent1">
-              <a:shade val="50000"/>
-            </a:schemeClr>
-          </a:lnRef>
-          <a:fillRef idx="1">
-            <a:schemeClr val="accent1"/>
-          </a:fillRef>
-          <a:effectRef idx="0">
-            <a:schemeClr val="accent1"/>
-          </a:effectRef>
-          <a:fontRef idx="minor">
-            <a:schemeClr val="lt1"/>
-          </a:fontRef>
-        </p:style>
-        <p:txBody>
-          <a:bodyPr rtlCol="0" anchor="ctr"/>
-          <a:lstStyle/>
-          <a:p>
-            <a:pPr algn="ctr"/>
-            <a:endParaRPr lang="en-US">
-              <a:solidFill>
-                <a:schemeClr val="tx1"/>
-              </a:solidFill>
-            </a:endParaRPr>
-          </a:p>
-        </p:txBody>
-      </p:sp>
-      <p:sp>
-        <p:nvSpPr>
-          <p:cNvPr id="13" name="Frame 12">
-            <a:extLst>
-              <a:ext uri="{FF2B5EF4-FFF2-40B4-BE49-F238E27FC236}">
-                <a16:creationId xmlns:a16="http://schemas.microsoft.com/office/drawing/2014/main" id="{2353F319-6A9D-B3F4-A6A9-8292BBC93026}"/>
-              </a:ext>
-            </a:extLst>
-          </p:cNvPr>
-          <p:cNvSpPr/>
-          <p:nvPr/>
-        </p:nvSpPr>
-        <p:spPr>
-          <a:xfrm>
-            <a:off x="827313" y="3124200"/>
-            <a:ext cx="1338942" cy="348342"/>
-          </a:xfrm>
-          <a:prstGeom prst="frame">
-            <a:avLst/>
-          </a:prstGeom>
-          <a:solidFill>
-            <a:srgbClr val="FF0000"/>
-          </a:solidFill>
-          <a:ln>
-            <a:noFill/>
-          </a:ln>
-        </p:spPr>
-        <p:style>
-          <a:lnRef idx="2">
-            <a:schemeClr val="accent1">
-              <a:shade val="50000"/>
-            </a:schemeClr>
-          </a:lnRef>
-          <a:fillRef idx="1">
-            <a:schemeClr val="accent1"/>
-          </a:fillRef>
-          <a:effectRef idx="0">
-            <a:schemeClr val="accent1"/>
-          </a:effectRef>
-          <a:fontRef idx="minor">
-            <a:schemeClr val="lt1"/>
-          </a:fontRef>
-        </p:style>
-        <p:txBody>
-          <a:bodyPr rtlCol="0" anchor="ctr"/>
-          <a:lstStyle/>
-          <a:p>
-            <a:pPr algn="ctr"/>
-            <a:endParaRPr lang="en-US">
-              <a:solidFill>
-                <a:schemeClr val="tx1"/>
-              </a:solidFill>
-            </a:endParaRPr>
-          </a:p>
-        </p:txBody>
-      </p:sp>
-      <p:cxnSp>
-        <p:nvCxnSpPr>
-          <p:cNvPr id="14" name="Straight Arrow Connector 13">
-            <a:extLst>
-              <a:ext uri="{FF2B5EF4-FFF2-40B4-BE49-F238E27FC236}">
-                <a16:creationId xmlns:a16="http://schemas.microsoft.com/office/drawing/2014/main" id="{01F58CA5-2D86-5208-C5BD-6323248F2A52}"/>
-              </a:ext>
-            </a:extLst>
-          </p:cNvPr>
-          <p:cNvCxnSpPr>
-            <a:cxnSpLocks/>
-          </p:cNvCxnSpPr>
+          <p:cNvCxnSpPr/>
           <p:nvPr/>
         </p:nvCxnSpPr>
         <p:spPr>
-          <a:xfrm flipV="1">
-            <a:off x="2220686" y="2786742"/>
-            <a:ext cx="1142998" cy="152399"/>
+          <a:xfrm>
+            <a:off x="3379134" y="3249145"/>
+            <a:ext cx="1416423" cy="394448"/>
           </a:xfrm>
           <a:prstGeom prst="straightConnector1">
             <a:avLst/>
@@ -7783,12 +8253,183 @@
           </a:fontRef>
         </p:style>
       </p:cxnSp>
+      <p:sp>
+        <p:nvSpPr>
+          <p:cNvPr id="9" name="TextBox 8">
+            <a:extLst>
+              <a:ext uri="{FF2B5EF4-FFF2-40B4-BE49-F238E27FC236}">
+                <a16:creationId xmlns:a16="http://schemas.microsoft.com/office/drawing/2014/main" id="{6F6A3DAA-D024-216F-5BB3-DEA188E7CBD8}"/>
+              </a:ext>
+            </a:extLst>
+          </p:cNvPr>
+          <p:cNvSpPr txBox="1"/>
+          <p:nvPr/>
+        </p:nvSpPr>
+        <p:spPr>
+          <a:xfrm>
+            <a:off x="5029199" y="3460376"/>
+            <a:ext cx="6042211" cy="646331"/>
+          </a:xfrm>
+          <a:prstGeom prst="rect">
+            <a:avLst/>
+          </a:prstGeom>
+          <a:noFill/>
+        </p:spPr>
+        <p:txBody>
+          <a:bodyPr rot="0" spcFirstLastPara="0" vertOverflow="overflow" horzOverflow="overflow" vert="horz" wrap="square" lIns="91440" tIns="45720" rIns="91440" bIns="45720" numCol="1" spcCol="0" rtlCol="0" fromWordArt="0" anchor="t" anchorCtr="0" forceAA="0" compatLnSpc="1">
+            <a:prstTxWarp prst="textNoShape">
+              <a:avLst/>
+            </a:prstTxWarp>
+            <a:spAutoFit/>
+          </a:bodyPr>
+          <a:lstStyle/>
+          <a:p>
+            <a:r>
+              <a:rPr lang="en-US" dirty="0">
+                <a:ea typeface="맑은 고딕"/>
+              </a:rPr>
+              <a:t>[1,2,1,3] [1,4,1,2] </a:t>
+            </a:r>
+            <a:r>
+              <a:rPr lang="ko-KR" altLang="en-US" dirty="0">
+                <a:ea typeface="맑은 고딕"/>
+              </a:rPr>
+              <a:t>일</a:t>
+            </a:r>
+            <a:r>
+              <a:rPr lang="en-US" dirty="0">
+                <a:ea typeface="맑은 고딕"/>
+              </a:rPr>
+              <a:t> </a:t>
+            </a:r>
+            <a:r>
+              <a:rPr lang="ko-KR" altLang="en-US" dirty="0">
+                <a:ea typeface="맑은 고딕"/>
+              </a:rPr>
+              <a:t>경우와</a:t>
+            </a:r>
+            <a:r>
+              <a:rPr lang="en-US" altLang="ko-KR" dirty="0">
+                <a:ea typeface="맑은 고딕"/>
+              </a:rPr>
+              <a:t> [1,2,1,3,1] , [4,1,2] 일 </a:t>
+            </a:r>
+            <a:r>
+              <a:rPr lang="en-US" altLang="ko-KR" dirty="0" err="1">
+                <a:ea typeface="맑은 고딕"/>
+              </a:rPr>
+              <a:t>경우</a:t>
+            </a:r>
+            <a:r>
+              <a:rPr lang="en-US" altLang="ko-KR" dirty="0">
+                <a:ea typeface="맑은 고딕"/>
+              </a:rPr>
+              <a:t> </a:t>
+            </a:r>
+            <a:endParaRPr lang="ko-KR" altLang="en-US">
+              <a:ea typeface="맑은 고딕"/>
+            </a:endParaRPr>
+          </a:p>
+          <a:p>
+            <a:r>
+              <a:rPr lang="en-US" altLang="ko-KR" dirty="0">
+                <a:ea typeface="맑은 고딕"/>
+              </a:rPr>
+              <a:t>두 </a:t>
+            </a:r>
+            <a:r>
+              <a:rPr lang="en-US" altLang="ko-KR" dirty="0" err="1">
+                <a:ea typeface="맑은 고딕"/>
+              </a:rPr>
+              <a:t>경우의</a:t>
+            </a:r>
+            <a:r>
+              <a:rPr lang="en-US" altLang="ko-KR" dirty="0">
+                <a:ea typeface="맑은 고딕"/>
+              </a:rPr>
+              <a:t> </a:t>
+            </a:r>
+            <a:r>
+              <a:rPr lang="en-US" altLang="ko-KR" dirty="0" err="1">
+                <a:ea typeface="맑은 고딕"/>
+              </a:rPr>
+              <a:t>수로</a:t>
+            </a:r>
+            <a:r>
+              <a:rPr lang="en-US" altLang="ko-KR" dirty="0">
+                <a:ea typeface="맑은 고딕"/>
+              </a:rPr>
+              <a:t> </a:t>
+            </a:r>
+            <a:r>
+              <a:rPr lang="en-US" altLang="ko-KR" dirty="0" err="1">
+                <a:ea typeface="맑은 고딕"/>
+              </a:rPr>
+              <a:t>토핑을</a:t>
+            </a:r>
+            <a:r>
+              <a:rPr lang="en-US" altLang="ko-KR" dirty="0">
+                <a:ea typeface="맑은 고딕"/>
+              </a:rPr>
+              <a:t> </a:t>
+            </a:r>
+            <a:r>
+              <a:rPr lang="en-US" altLang="ko-KR" dirty="0" err="1">
+                <a:ea typeface="맑은 고딕"/>
+              </a:rPr>
+              <a:t>공평하게</a:t>
+            </a:r>
+            <a:r>
+              <a:rPr lang="en-US" altLang="ko-KR" dirty="0">
+                <a:ea typeface="맑은 고딕"/>
+              </a:rPr>
+              <a:t> </a:t>
+            </a:r>
+            <a:r>
+              <a:rPr lang="en-US" altLang="ko-KR" dirty="0" err="1">
+                <a:ea typeface="맑은 고딕"/>
+              </a:rPr>
+              <a:t>나눠먹는</a:t>
+            </a:r>
+            <a:r>
+              <a:rPr lang="en-US" altLang="ko-KR" dirty="0">
+                <a:ea typeface="맑은 고딕"/>
+              </a:rPr>
+              <a:t> </a:t>
+            </a:r>
+            <a:r>
+              <a:rPr lang="en-US" altLang="ko-KR" dirty="0" err="1">
+                <a:ea typeface="맑은 고딕"/>
+              </a:rPr>
+              <a:t>수가</a:t>
+            </a:r>
+            <a:r>
+              <a:rPr lang="en-US" altLang="ko-KR" dirty="0">
+                <a:ea typeface="맑은 고딕"/>
+              </a:rPr>
+              <a:t> </a:t>
+            </a:r>
+            <a:r>
+              <a:rPr lang="en-US" altLang="ko-KR" dirty="0" err="1">
+                <a:ea typeface="맑은 고딕"/>
+              </a:rPr>
+              <a:t>있다</a:t>
+            </a:r>
+            <a:r>
+              <a:rPr lang="en-US" altLang="ko-KR" dirty="0">
+                <a:ea typeface="맑은 고딕"/>
+              </a:rPr>
+              <a:t>.</a:t>
+            </a:r>
+          </a:p>
+        </p:txBody>
+      </p:sp>
       <p:cxnSp>
         <p:nvCxnSpPr>
-          <p:cNvPr id="15" name="Straight Arrow Connector 14">
+          <p:cNvPr id="10" name="Straight Arrow Connector 9">
             <a:extLst>
               <a:ext uri="{FF2B5EF4-FFF2-40B4-BE49-F238E27FC236}">
-                <a16:creationId xmlns:a16="http://schemas.microsoft.com/office/drawing/2014/main" id="{CA7EB463-2C78-D162-3D1B-E89707D343CF}"/>
+                <a16:creationId xmlns:a16="http://schemas.microsoft.com/office/drawing/2014/main" id="{A57F7E38-6DD2-6BD5-B655-49AB7DAFADE5}"/>
               </a:ext>
             </a:extLst>
           </p:cNvPr>
@@ -7799,8 +8440,8 @@
         </p:nvCxnSpPr>
         <p:spPr>
           <a:xfrm>
-            <a:off x="2159306" y="3392456"/>
-            <a:ext cx="1143000" cy="533400"/>
+            <a:off x="3074333" y="3912533"/>
+            <a:ext cx="1308847" cy="896471"/>
           </a:xfrm>
           <a:prstGeom prst="straightConnector1">
             <a:avLst/>
@@ -7829,10 +8470,10 @@
       </p:cxnSp>
       <p:sp>
         <p:nvSpPr>
-          <p:cNvPr id="16" name="TextBox 15">
+          <p:cNvPr id="11" name="TextBox 10">
             <a:extLst>
               <a:ext uri="{FF2B5EF4-FFF2-40B4-BE49-F238E27FC236}">
-                <a16:creationId xmlns:a16="http://schemas.microsoft.com/office/drawing/2014/main" id="{33F0F36B-EB2C-7DE0-0F33-F5DE1FA5AE37}"/>
+                <a16:creationId xmlns:a16="http://schemas.microsoft.com/office/drawing/2014/main" id="{AEBC308F-FD5A-F821-E867-2C7F84E0B58D}"/>
               </a:ext>
             </a:extLst>
           </p:cNvPr>
@@ -7841,8 +8482,8 @@
         </p:nvSpPr>
         <p:spPr>
           <a:xfrm>
-            <a:off x="3526971" y="2427513"/>
-            <a:ext cx="6988626" cy="369332"/>
+            <a:off x="4580963" y="4715434"/>
+            <a:ext cx="6042211" cy="646331"/>
           </a:xfrm>
           <a:prstGeom prst="rect">
             <a:avLst/>
@@ -7859,86 +8500,136 @@
           <a:lstStyle/>
           <a:p>
             <a:r>
+              <a:rPr lang="en-US" altLang="ko-KR" dirty="0" err="1">
+                <a:ea typeface="맑은 고딕"/>
+              </a:rPr>
+              <a:t>토핑의</a:t>
+            </a:r>
+            <a:r>
               <a:rPr lang="en-US" altLang="ko-KR" dirty="0">
                 <a:ea typeface="맑은 고딕"/>
               </a:rPr>
-              <a:t>J : 9, E : 4 , R : 9, O : 12, E : 4, N : 13, 순방향5칸 </a:t>
+              <a:t> </a:t>
             </a:r>
             <a:r>
               <a:rPr lang="en-US" altLang="ko-KR" dirty="0" err="1">
                 <a:ea typeface="맑은 고딕"/>
               </a:rPr>
-              <a:t>이동</a:t>
+              <a:t>종류의</a:t>
             </a:r>
             <a:r>
               <a:rPr lang="en-US" altLang="ko-KR" dirty="0">
                 <a:ea typeface="맑은 고딕"/>
               </a:rPr>
-              <a:t> = 56</a:t>
-            </a:r>
-          </a:p>
-        </p:txBody>
-      </p:sp>
-      <p:sp>
-        <p:nvSpPr>
-          <p:cNvPr id="17" name="TextBox 16">
-            <a:extLst>
-              <a:ext uri="{FF2B5EF4-FFF2-40B4-BE49-F238E27FC236}">
-                <a16:creationId xmlns:a16="http://schemas.microsoft.com/office/drawing/2014/main" id="{8E6013E0-8255-C4A5-7925-0603A4935C92}"/>
-              </a:ext>
-            </a:extLst>
-          </p:cNvPr>
-          <p:cNvSpPr txBox="1"/>
-          <p:nvPr/>
-        </p:nvSpPr>
-        <p:spPr>
-          <a:xfrm>
-            <a:off x="3374571" y="4060371"/>
-            <a:ext cx="3635828" cy="369332"/>
-          </a:xfrm>
-          <a:prstGeom prst="rect">
-            <a:avLst/>
-          </a:prstGeom>
-          <a:noFill/>
-        </p:spPr>
-        <p:txBody>
-          <a:bodyPr rot="0" spcFirstLastPara="0" vertOverflow="overflow" horzOverflow="overflow" vert="horz" wrap="square" lIns="91440" tIns="45720" rIns="91440" bIns="45720" numCol="1" spcCol="0" rtlCol="0" fromWordArt="0" anchor="t" anchorCtr="0" forceAA="0" compatLnSpc="1">
-            <a:prstTxWarp prst="textNoShape">
-              <a:avLst/>
-            </a:prstTxWarp>
-            <a:spAutoFit/>
-          </a:bodyPr>
-          <a:lstStyle/>
-          <a:p>
+              <a:t> </a:t>
+            </a:r>
+            <a:r>
+              <a:rPr lang="en-US" altLang="ko-KR" dirty="0" err="1">
+                <a:ea typeface="맑은 고딕"/>
+              </a:rPr>
+              <a:t>수가</a:t>
+            </a:r>
             <a:r>
               <a:rPr lang="en-US" altLang="ko-KR" dirty="0">
                 <a:ea typeface="맑은 고딕"/>
               </a:rPr>
-              <a:t>J : 9 </a:t>
+              <a:t> </a:t>
             </a:r>
             <a:r>
               <a:rPr lang="en-US" altLang="ko-KR" dirty="0" err="1">
                 <a:ea typeface="맑은 고딕"/>
               </a:rPr>
-              <a:t>역방향</a:t>
+              <a:t>홀수</a:t>
             </a:r>
             <a:r>
               <a:rPr lang="en-US" altLang="ko-KR" dirty="0">
                 <a:ea typeface="맑은 고딕"/>
               </a:rPr>
-              <a:t> 1회 </a:t>
+              <a:t> 인 </a:t>
             </a:r>
             <a:r>
               <a:rPr lang="en-US" altLang="ko-KR" dirty="0" err="1">
                 <a:ea typeface="맑은 고딕"/>
               </a:rPr>
-              <a:t>이동</a:t>
+              <a:t>경우는</a:t>
             </a:r>
             <a:r>
               <a:rPr lang="en-US" altLang="ko-KR" dirty="0">
                 <a:ea typeface="맑은 고딕"/>
               </a:rPr>
-              <a:t> N : 13 = 23</a:t>
+              <a:t> </a:t>
+            </a:r>
+            <a:r>
+              <a:rPr lang="en-US" altLang="ko-KR" dirty="0" err="1">
+                <a:ea typeface="맑은 고딕"/>
+              </a:rPr>
+              <a:t>어떤</a:t>
+            </a:r>
+            <a:r>
+              <a:rPr lang="en-US" altLang="ko-KR" dirty="0">
+                <a:ea typeface="맑은 고딕"/>
+              </a:rPr>
+              <a:t> </a:t>
+            </a:r>
+            <a:r>
+              <a:rPr lang="en-US" altLang="ko-KR" dirty="0" err="1">
+                <a:ea typeface="맑은 고딕"/>
+              </a:rPr>
+              <a:t>방식으로도</a:t>
+            </a:r>
+            <a:r>
+              <a:rPr lang="en-US" altLang="ko-KR" dirty="0">
+                <a:ea typeface="맑은 고딕"/>
+              </a:rPr>
+              <a:t> </a:t>
+            </a:r>
+            <a:r>
+              <a:rPr lang="en-US" altLang="ko-KR" dirty="0" err="1">
+                <a:ea typeface="맑은 고딕"/>
+              </a:rPr>
+              <a:t>공평하게</a:t>
+            </a:r>
+            <a:r>
+              <a:rPr lang="en-US" altLang="ko-KR" dirty="0">
+                <a:ea typeface="맑은 고딕"/>
+              </a:rPr>
+              <a:t> </a:t>
+            </a:r>
+            <a:r>
+              <a:rPr lang="en-US" altLang="ko-KR" dirty="0" err="1">
+                <a:ea typeface="맑은 고딕"/>
+              </a:rPr>
+              <a:t>나눌</a:t>
+            </a:r>
+            <a:r>
+              <a:rPr lang="en-US" altLang="ko-KR" dirty="0">
+                <a:ea typeface="맑은 고딕"/>
+              </a:rPr>
+              <a:t> </a:t>
+            </a:r>
+            <a:r>
+              <a:rPr lang="en-US" altLang="ko-KR" dirty="0" err="1">
+                <a:ea typeface="맑은 고딕"/>
+              </a:rPr>
+              <a:t>수가</a:t>
+            </a:r>
+            <a:r>
+              <a:rPr lang="en-US" altLang="ko-KR" dirty="0">
+                <a:ea typeface="맑은 고딕"/>
+              </a:rPr>
+              <a:t> </a:t>
+            </a:r>
+            <a:r>
+              <a:rPr lang="en-US" altLang="ko-KR" dirty="0" err="1">
+                <a:ea typeface="맑은 고딕"/>
+              </a:rPr>
+              <a:t>없다</a:t>
+            </a:r>
+            <a:r>
+              <a:rPr lang="en-US" altLang="ko-KR" dirty="0">
+                <a:ea typeface="맑은 고딕"/>
+              </a:rPr>
+              <a:t>.</a:t>
             </a:r>
           </a:p>
         </p:txBody>
@@ -7946,7 +8637,7 @@
     </p:spTree>
     <p:extLst>
       <p:ext uri="{BB962C8B-B14F-4D97-AF65-F5344CB8AC3E}">
-        <p14:creationId xmlns:p14="http://schemas.microsoft.com/office/powerpoint/2010/main" val="953622845"/>
+        <p14:creationId xmlns:p14="http://schemas.microsoft.com/office/powerpoint/2010/main" val="607485266"/>
       </p:ext>
     </p:extLst>
   </p:cSld>
